--- a/PowerPoint_presentation_template.pptx
+++ b/PowerPoint_presentation_template.pptx
@@ -6,14 +6,24 @@
     <p:sldMasterId id="2147483673" r:id="rId2"/>
   </p:sldMasterIdLst>
   <p:notesMasterIdLst>
-    <p:notesMasterId r:id="rId8"/>
+    <p:notesMasterId r:id="rId18"/>
   </p:notesMasterIdLst>
   <p:sldIdLst>
     <p:sldId id="256" r:id="rId3"/>
     <p:sldId id="257" r:id="rId4"/>
     <p:sldId id="260" r:id="rId5"/>
     <p:sldId id="259" r:id="rId6"/>
-    <p:sldId id="261" r:id="rId7"/>
+    <p:sldId id="268" r:id="rId7"/>
+    <p:sldId id="270" r:id="rId8"/>
+    <p:sldId id="262" r:id="rId9"/>
+    <p:sldId id="263" r:id="rId10"/>
+    <p:sldId id="271" r:id="rId11"/>
+    <p:sldId id="264" r:id="rId12"/>
+    <p:sldId id="272" r:id="rId13"/>
+    <p:sldId id="265" r:id="rId14"/>
+    <p:sldId id="266" r:id="rId15"/>
+    <p:sldId id="267" r:id="rId16"/>
+    <p:sldId id="261" r:id="rId17"/>
   </p:sldIdLst>
   <p:sldSz cx="9144000" cy="6858000" type="screen4x3"/>
   <p:notesSz cx="6858000" cy="9144000"/>
@@ -202,7 +212,7 @@
           <a:p>
             <a:fld id="{D629BCAA-3248-4FC9-8652-C27287EE51FE}" type="datetimeFigureOut">
               <a:rPr lang="en-US" smtClean="0"/>
-              <a:t>9/28/2022</a:t>
+              <a:t>9/29/2022</a:t>
             </a:fld>
             <a:endParaRPr lang="en-US"/>
           </a:p>
@@ -684,7 +694,7 @@
           <a:p>
             <a:fld id="{18130A72-798E-4C06-9A59-DB007F4D64ED}" type="datetime1">
               <a:rPr lang="nl-NL" smtClean="0"/>
-              <a:t>28-9-2022</a:t>
+              <a:t>29-9-2022</a:t>
             </a:fld>
             <a:endParaRPr lang="nl-NL"/>
           </a:p>
@@ -854,7 +864,7 @@
           <a:p>
             <a:fld id="{4189B83E-1FC0-419B-B5C8-B7E9C09BD398}" type="datetime1">
               <a:rPr lang="nl-NL" smtClean="0"/>
-              <a:t>28-9-2022</a:t>
+              <a:t>29-9-2022</a:t>
             </a:fld>
             <a:endParaRPr lang="nl-NL"/>
           </a:p>
@@ -1034,7 +1044,7 @@
           <a:p>
             <a:fld id="{1CA840BC-1DAD-43FF-A554-13E5E31D4947}" type="datetime1">
               <a:rPr lang="nl-NL" smtClean="0"/>
-              <a:t>28-9-2022</a:t>
+              <a:t>29-9-2022</a:t>
             </a:fld>
             <a:endParaRPr lang="nl-NL"/>
           </a:p>
@@ -1163,7 +1173,7 @@
           <a:p>
             <a:fld id="{D8720F31-A0D8-4809-BE7F-6A59FC4DE6AD}" type="datetime1">
               <a:rPr lang="nl-NL" smtClean="0"/>
-              <a:t>28-9-2022</a:t>
+              <a:t>29-9-2022</a:t>
             </a:fld>
             <a:endParaRPr lang="nl-NL" dirty="0">
               <a:latin typeface="Open Sans" panose="020B0606030504020204" pitchFamily="34" charset="0"/>
@@ -1396,7 +1406,7 @@
           <a:p>
             <a:fld id="{782D92BB-CDF8-4AA2-B3F9-7F6830C377B1}" type="datetime1">
               <a:rPr lang="nl-NL" smtClean="0"/>
-              <a:t>28-9-2022</a:t>
+              <a:t>29-9-2022</a:t>
             </a:fld>
             <a:endParaRPr lang="nl-NL"/>
           </a:p>
@@ -1594,7 +1604,7 @@
           <a:p>
             <a:fld id="{B4BE20E8-EC78-4344-8E9A-A4B6FB5F8AC9}" type="datetime1">
               <a:rPr lang="nl-NL" smtClean="0"/>
-              <a:t>28-9-2022</a:t>
+              <a:t>29-9-2022</a:t>
             </a:fld>
             <a:endParaRPr lang="nl-NL"/>
           </a:p>
@@ -1869,7 +1879,7 @@
           <a:p>
             <a:fld id="{AB090569-E398-4B11-9228-BC4A73119814}" type="datetime1">
               <a:rPr lang="nl-NL" smtClean="0"/>
-              <a:t>28-9-2022</a:t>
+              <a:t>29-9-2022</a:t>
             </a:fld>
             <a:endParaRPr lang="nl-NL"/>
           </a:p>
@@ -2134,7 +2144,7 @@
           <a:p>
             <a:fld id="{DEA5E422-6963-405C-A1AC-04831DE82936}" type="datetime1">
               <a:rPr lang="nl-NL" smtClean="0"/>
-              <a:t>28-9-2022</a:t>
+              <a:t>29-9-2022</a:t>
             </a:fld>
             <a:endParaRPr lang="nl-NL"/>
           </a:p>
@@ -2546,7 +2556,7 @@
           <a:p>
             <a:fld id="{F8F9D86C-9988-45FF-B7E6-B8961E8A07B3}" type="datetime1">
               <a:rPr lang="nl-NL" smtClean="0"/>
-              <a:t>28-9-2022</a:t>
+              <a:t>29-9-2022</a:t>
             </a:fld>
             <a:endParaRPr lang="nl-NL"/>
           </a:p>
@@ -2687,7 +2697,7 @@
           <a:p>
             <a:fld id="{5A551417-7EF5-433C-AA7C-514377B8C0AF}" type="datetime1">
               <a:rPr lang="nl-NL" smtClean="0"/>
-              <a:t>28-9-2022</a:t>
+              <a:t>29-9-2022</a:t>
             </a:fld>
             <a:endParaRPr lang="nl-NL"/>
           </a:p>
@@ -2800,7 +2810,7 @@
           <a:p>
             <a:fld id="{175C7022-05F1-4A64-A1D8-940DC1A6F753}" type="datetime1">
               <a:rPr lang="nl-NL" smtClean="0"/>
-              <a:t>28-9-2022</a:t>
+              <a:t>29-9-2022</a:t>
             </a:fld>
             <a:endParaRPr lang="nl-NL"/>
           </a:p>
@@ -2987,7 +2997,7 @@
           <a:p>
             <a:fld id="{01EA445C-D728-4B0A-B2BB-5493D648EA02}" type="datetime1">
               <a:rPr lang="nl-NL" smtClean="0"/>
-              <a:t>28-9-2022</a:t>
+              <a:t>29-9-2022</a:t>
             </a:fld>
             <a:endParaRPr lang="nl-NL"/>
           </a:p>
@@ -3291,7 +3301,7 @@
           <a:p>
             <a:fld id="{FD32A731-21D8-4ADE-9475-F626FB02C611}" type="datetime1">
               <a:rPr lang="nl-NL" smtClean="0"/>
-              <a:t>28-9-2022</a:t>
+              <a:t>29-9-2022</a:t>
             </a:fld>
             <a:endParaRPr lang="nl-NL"/>
           </a:p>
@@ -3579,7 +3589,7 @@
           <a:p>
             <a:fld id="{1BE0784C-A773-4E69-ACAA-73A3EE4CC8DB}" type="datetime1">
               <a:rPr lang="nl-NL" smtClean="0"/>
-              <a:t>28-9-2022</a:t>
+              <a:t>29-9-2022</a:t>
             </a:fld>
             <a:endParaRPr lang="nl-NL"/>
           </a:p>
@@ -3777,7 +3787,7 @@
           <a:p>
             <a:fld id="{764F9B4E-FE62-4B34-B3FA-D5F6F458898F}" type="datetime1">
               <a:rPr lang="nl-NL" smtClean="0"/>
-              <a:t>28-9-2022</a:t>
+              <a:t>29-9-2022</a:t>
             </a:fld>
             <a:endParaRPr lang="nl-NL"/>
           </a:p>
@@ -3985,7 +3995,7 @@
           <a:p>
             <a:fld id="{69E4275D-6497-4CDA-98DC-1E6DFA2C47E1}" type="datetime1">
               <a:rPr lang="nl-NL" smtClean="0"/>
-              <a:t>28-9-2022</a:t>
+              <a:t>29-9-2022</a:t>
             </a:fld>
             <a:endParaRPr lang="nl-NL"/>
           </a:p>
@@ -4241,7 +4251,7 @@
           <a:p>
             <a:fld id="{75FC15D6-2DD3-456A-A5C9-643FC2C96214}" type="datetime1">
               <a:rPr lang="nl-NL" smtClean="0"/>
-              <a:t>28-9-2022</a:t>
+              <a:t>29-9-2022</a:t>
             </a:fld>
             <a:endParaRPr lang="nl-NL"/>
           </a:p>
@@ -4473,7 +4483,7 @@
           <a:p>
             <a:fld id="{9CC0C4B4-C60E-4107-8338-A16F47E712BA}" type="datetime1">
               <a:rPr lang="nl-NL" smtClean="0"/>
-              <a:t>28-9-2022</a:t>
+              <a:t>29-9-2022</a:t>
             </a:fld>
             <a:endParaRPr lang="nl-NL"/>
           </a:p>
@@ -4840,7 +4850,7 @@
           <a:p>
             <a:fld id="{ED97B69D-25EE-4F6B-A025-C9356BF5196F}" type="datetime1">
               <a:rPr lang="nl-NL" smtClean="0"/>
-              <a:t>28-9-2022</a:t>
+              <a:t>29-9-2022</a:t>
             </a:fld>
             <a:endParaRPr lang="nl-NL"/>
           </a:p>
@@ -4958,7 +4968,7 @@
           <a:p>
             <a:fld id="{135BA7EE-4350-4E9D-8482-E4106E74C348}" type="datetime1">
               <a:rPr lang="nl-NL" smtClean="0"/>
-              <a:t>28-9-2022</a:t>
+              <a:t>29-9-2022</a:t>
             </a:fld>
             <a:endParaRPr lang="nl-NL"/>
           </a:p>
@@ -5053,7 +5063,7 @@
           <a:p>
             <a:fld id="{5985CAE9-7880-4C9A-8D76-CF15052E52CC}" type="datetime1">
               <a:rPr lang="nl-NL" smtClean="0"/>
-              <a:t>28-9-2022</a:t>
+              <a:t>29-9-2022</a:t>
             </a:fld>
             <a:endParaRPr lang="nl-NL"/>
           </a:p>
@@ -5330,7 +5340,7 @@
           <a:p>
             <a:fld id="{9F7639AC-17FC-4D70-A0E3-0F8D800275E8}" type="datetime1">
               <a:rPr lang="nl-NL" smtClean="0"/>
-              <a:t>28-9-2022</a:t>
+              <a:t>29-9-2022</a:t>
             </a:fld>
             <a:endParaRPr lang="nl-NL"/>
           </a:p>
@@ -5587,7 +5597,7 @@
           <a:p>
             <a:fld id="{A7D1C640-FDFA-4B54-ACC0-9BFA0F6DC2E5}" type="datetime1">
               <a:rPr lang="nl-NL" smtClean="0"/>
-              <a:t>28-9-2022</a:t>
+              <a:t>29-9-2022</a:t>
             </a:fld>
             <a:endParaRPr lang="nl-NL"/>
           </a:p>
@@ -5812,7 +5822,7 @@
           <a:p>
             <a:fld id="{7D9CE99F-90D7-49FC-BFC9-DC2836ABCB14}" type="datetime1">
               <a:rPr lang="nl-NL" smtClean="0"/>
-              <a:t>28-9-2022</a:t>
+              <a:t>29-9-2022</a:t>
             </a:fld>
             <a:endParaRPr lang="nl-NL" dirty="0">
               <a:latin typeface="Open Sans" panose="020B0606030504020204" pitchFamily="34" charset="0"/>
@@ -6398,7 +6408,7 @@
           <a:p>
             <a:fld id="{DDB7B9B1-682F-4483-B0F1-5BF417E9590B}" type="datetime1">
               <a:rPr lang="nl-NL" smtClean="0"/>
-              <a:t>28-9-2022</a:t>
+              <a:t>29-9-2022</a:t>
             </a:fld>
             <a:endParaRPr lang="nl-NL" dirty="0">
               <a:latin typeface="Open Sans" panose="020B0606030504020204" pitchFamily="34" charset="0"/>
@@ -7025,6 +7035,982 @@
 </p:sld>
 </file>
 
+<file path=ppt/slides/slide10.xml><?xml version="1.0" encoding="utf-8"?>
+<p:sld xmlns:a="http://schemas.openxmlformats.org/drawingml/2006/main" xmlns:r="http://schemas.openxmlformats.org/officeDocument/2006/relationships" xmlns:p="http://schemas.openxmlformats.org/presentationml/2006/main">
+  <p:cSld>
+    <p:spTree>
+      <p:nvGrpSpPr>
+        <p:cNvPr id="1" name=""/>
+        <p:cNvGrpSpPr/>
+        <p:nvPr/>
+      </p:nvGrpSpPr>
+      <p:grpSpPr>
+        <a:xfrm>
+          <a:off x="0" y="0"/>
+          <a:ext cx="0" cy="0"/>
+          <a:chOff x="0" y="0"/>
+          <a:chExt cx="0" cy="0"/>
+        </a:xfrm>
+      </p:grpSpPr>
+      <p:sp>
+        <p:nvSpPr>
+          <p:cNvPr id="2" name="Title 1">
+            <a:extLst>
+              <a:ext uri="{FF2B5EF4-FFF2-40B4-BE49-F238E27FC236}">
+                <a16:creationId xmlns:a16="http://schemas.microsoft.com/office/drawing/2014/main" id="{E2656710-A520-C2CA-3BA9-8B1562F4EBF4}"/>
+              </a:ext>
+            </a:extLst>
+          </p:cNvPr>
+          <p:cNvSpPr>
+            <a:spLocks noGrp="1"/>
+          </p:cNvSpPr>
+          <p:nvPr>
+            <p:ph type="title"/>
+          </p:nvPr>
+        </p:nvSpPr>
+        <p:spPr/>
+        <p:txBody>
+          <a:bodyPr/>
+          <a:lstStyle/>
+          <a:p>
+            <a:r>
+              <a:rPr lang="nl-NL" dirty="0"/>
+              <a:t>Experiments</a:t>
+            </a:r>
+            <a:endParaRPr lang="en-US" dirty="0"/>
+          </a:p>
+        </p:txBody>
+      </p:sp>
+      <p:sp>
+        <p:nvSpPr>
+          <p:cNvPr id="3" name="Content Placeholder 2">
+            <a:extLst>
+              <a:ext uri="{FF2B5EF4-FFF2-40B4-BE49-F238E27FC236}">
+                <a16:creationId xmlns:a16="http://schemas.microsoft.com/office/drawing/2014/main" id="{95889E8C-B29A-4113-CC32-FC5EE6ECBE1D}"/>
+              </a:ext>
+            </a:extLst>
+          </p:cNvPr>
+          <p:cNvSpPr>
+            <a:spLocks noGrp="1"/>
+          </p:cNvSpPr>
+          <p:nvPr>
+            <p:ph idx="1"/>
+          </p:nvPr>
+        </p:nvSpPr>
+        <p:spPr>
+          <a:xfrm>
+            <a:off x="628650" y="1825625"/>
+            <a:ext cx="8324850" cy="4110355"/>
+          </a:xfrm>
+        </p:spPr>
+        <p:txBody>
+          <a:bodyPr>
+            <a:normAutofit/>
+          </a:bodyPr>
+          <a:lstStyle/>
+          <a:p>
+            <a:pPr marL="0" indent="0">
+              <a:buNone/>
+            </a:pPr>
+            <a:r>
+              <a:rPr lang="nl-NL" sz="2000" dirty="0"/>
+              <a:t>Data</a:t>
+            </a:r>
+          </a:p>
+          <a:p>
+            <a:r>
+              <a:rPr lang="nl-NL" sz="1800" dirty="0"/>
+              <a:t>10 hours of speech – average of 3.8s per utterance</a:t>
+            </a:r>
+          </a:p>
+          <a:p>
+            <a:r>
+              <a:rPr lang="nl-NL" sz="1800" dirty="0"/>
+              <a:t>Simulated real-time ATC</a:t>
+            </a:r>
+          </a:p>
+          <a:p>
+            <a:r>
+              <a:rPr lang="nl-NL" sz="1800" dirty="0"/>
+              <a:t>For public use</a:t>
+            </a:r>
+          </a:p>
+          <a:p>
+            <a:r>
+              <a:rPr lang="nl-NL" sz="1800" dirty="0">
+                <a:latin typeface="Open Sans" panose="020B0606030504020204" pitchFamily="34" charset="0"/>
+                <a:ea typeface="Open Sans" panose="020B0606030504020204" pitchFamily="34" charset="0"/>
+                <a:cs typeface="Open Sans" panose="020B0606030504020204" pitchFamily="34" charset="0"/>
+              </a:rPr>
+              <a:t>Mean perplexity datasets:</a:t>
+            </a:r>
+          </a:p>
+          <a:p>
+            <a:pPr lvl="1"/>
+            <a:r>
+              <a:rPr lang="nl-NL" sz="1400" dirty="0">
+                <a:latin typeface="Open Sans" panose="020B0606030504020204" pitchFamily="34" charset="0"/>
+                <a:ea typeface="Open Sans" panose="020B0606030504020204" pitchFamily="34" charset="0"/>
+                <a:cs typeface="Open Sans" panose="020B0606030504020204" pitchFamily="34" charset="0"/>
+              </a:rPr>
+              <a:t>Google/fleurs:	35.98</a:t>
+            </a:r>
+          </a:p>
+          <a:p>
+            <a:pPr lvl="1"/>
+            <a:r>
+              <a:rPr lang="nl-NL" sz="1400" dirty="0">
+                <a:latin typeface="Open Sans" panose="020B0606030504020204" pitchFamily="34" charset="0"/>
+                <a:ea typeface="Open Sans" panose="020B0606030504020204" pitchFamily="34" charset="0"/>
+                <a:cs typeface="Open Sans" panose="020B0606030504020204" pitchFamily="34" charset="0"/>
+              </a:rPr>
+              <a:t>ATCOSIM: 		175.08</a:t>
+            </a:r>
+            <a:endParaRPr lang="nl-NL" sz="1400" dirty="0"/>
+          </a:p>
+        </p:txBody>
+      </p:sp>
+      <p:sp>
+        <p:nvSpPr>
+          <p:cNvPr id="4" name="Slide Number Placeholder 3">
+            <a:extLst>
+              <a:ext uri="{FF2B5EF4-FFF2-40B4-BE49-F238E27FC236}">
+                <a16:creationId xmlns:a16="http://schemas.microsoft.com/office/drawing/2014/main" id="{07DD0B38-D143-4A81-E5F8-987B8C9537D6}"/>
+              </a:ext>
+            </a:extLst>
+          </p:cNvPr>
+          <p:cNvSpPr>
+            <a:spLocks noGrp="1"/>
+          </p:cNvSpPr>
+          <p:nvPr>
+            <p:ph type="sldNum" sz="quarter" idx="12"/>
+          </p:nvPr>
+        </p:nvSpPr>
+        <p:spPr/>
+        <p:txBody>
+          <a:bodyPr/>
+          <a:lstStyle/>
+          <a:p>
+            <a:fld id="{557A3E6A-0FDC-2641-BE73-5835A252D50B}" type="slidenum">
+              <a:rPr lang="nl-NL" smtClean="0"/>
+              <a:t>10</a:t>
+            </a:fld>
+            <a:endParaRPr lang="nl-NL"/>
+          </a:p>
+        </p:txBody>
+      </p:sp>
+    </p:spTree>
+    <p:extLst>
+      <p:ext uri="{BB962C8B-B14F-4D97-AF65-F5344CB8AC3E}">
+        <p14:creationId xmlns:p14="http://schemas.microsoft.com/office/powerpoint/2010/main" val="1155358104"/>
+      </p:ext>
+    </p:extLst>
+  </p:cSld>
+  <p:clrMapOvr>
+    <a:masterClrMapping/>
+  </p:clrMapOvr>
+</p:sld>
+</file>
+
+<file path=ppt/slides/slide11.xml><?xml version="1.0" encoding="utf-8"?>
+<p:sld xmlns:a="http://schemas.openxmlformats.org/drawingml/2006/main" xmlns:r="http://schemas.openxmlformats.org/officeDocument/2006/relationships" xmlns:p="http://schemas.openxmlformats.org/presentationml/2006/main">
+  <p:cSld>
+    <p:spTree>
+      <p:nvGrpSpPr>
+        <p:cNvPr id="1" name=""/>
+        <p:cNvGrpSpPr/>
+        <p:nvPr/>
+      </p:nvGrpSpPr>
+      <p:grpSpPr>
+        <a:xfrm>
+          <a:off x="0" y="0"/>
+          <a:ext cx="0" cy="0"/>
+          <a:chOff x="0" y="0"/>
+          <a:chExt cx="0" cy="0"/>
+        </a:xfrm>
+      </p:grpSpPr>
+      <p:sp>
+        <p:nvSpPr>
+          <p:cNvPr id="2" name="Title 1">
+            <a:extLst>
+              <a:ext uri="{FF2B5EF4-FFF2-40B4-BE49-F238E27FC236}">
+                <a16:creationId xmlns:a16="http://schemas.microsoft.com/office/drawing/2014/main" id="{92D9429E-BAB2-3A16-890F-9D6AFEDF91A5}"/>
+              </a:ext>
+            </a:extLst>
+          </p:cNvPr>
+          <p:cNvSpPr>
+            <a:spLocks noGrp="1"/>
+          </p:cNvSpPr>
+          <p:nvPr>
+            <p:ph type="title"/>
+          </p:nvPr>
+        </p:nvSpPr>
+        <p:spPr/>
+        <p:txBody>
+          <a:bodyPr/>
+          <a:lstStyle/>
+          <a:p>
+            <a:r>
+              <a:rPr lang="nl-NL" dirty="0"/>
+              <a:t>Data augmentation</a:t>
+            </a:r>
+            <a:endParaRPr lang="en-US" dirty="0"/>
+          </a:p>
+        </p:txBody>
+      </p:sp>
+      <p:sp>
+        <p:nvSpPr>
+          <p:cNvPr id="3" name="Content Placeholder 2">
+            <a:extLst>
+              <a:ext uri="{FF2B5EF4-FFF2-40B4-BE49-F238E27FC236}">
+                <a16:creationId xmlns:a16="http://schemas.microsoft.com/office/drawing/2014/main" id="{0E8A4454-6971-7637-08AA-36964EFDE8AC}"/>
+              </a:ext>
+            </a:extLst>
+          </p:cNvPr>
+          <p:cNvSpPr>
+            <a:spLocks noGrp="1"/>
+          </p:cNvSpPr>
+          <p:nvPr>
+            <p:ph idx="1"/>
+          </p:nvPr>
+        </p:nvSpPr>
+        <p:spPr/>
+        <p:txBody>
+          <a:bodyPr>
+            <a:normAutofit/>
+          </a:bodyPr>
+          <a:lstStyle/>
+          <a:p>
+            <a:pPr marL="0" indent="0">
+              <a:buNone/>
+            </a:pPr>
+            <a:r>
+              <a:rPr lang="nl-NL" sz="2000" dirty="0"/>
+              <a:t>Undesirable rows were removed/augmented on conditions:</a:t>
+            </a:r>
+          </a:p>
+          <a:p>
+            <a:r>
+              <a:rPr lang="en-US" sz="1800" dirty="0"/>
+              <a:t>Rows containing transcriptions that exceed the maximal duration allowed for training and transcription</a:t>
+            </a:r>
+          </a:p>
+          <a:p>
+            <a:r>
+              <a:rPr lang="en-US" sz="1800" dirty="0"/>
+              <a:t>Transcription containing tags: [HNOISE], [FRAGMENT], [EMPTY],  (&lt;OT&gt;. . .&lt;/OT&gt;), [NONSENSE] and (&lt;FL&gt;. . .&lt;/FL&gt;).</a:t>
+            </a:r>
+          </a:p>
+          <a:p>
+            <a:r>
+              <a:rPr lang="en-US" sz="1800" dirty="0"/>
+              <a:t>Characters found in transcriptions, separated by “\”: </a:t>
+            </a:r>
+            <a:br>
+              <a:rPr lang="en-US" sz="1800" dirty="0"/>
+            </a:br>
+            <a:r>
+              <a:rPr lang="en-US" sz="1800" dirty="0"/>
+              <a:t>[\=\ ̃\@\,\?\.\!\-\;\:\”\“\%\‘\”\’]</a:t>
+            </a:r>
+          </a:p>
+          <a:p>
+            <a:endParaRPr lang="en-US" sz="1800" dirty="0"/>
+          </a:p>
+          <a:p>
+            <a:pPr marL="0" indent="0">
+              <a:buNone/>
+            </a:pPr>
+            <a:r>
+              <a:rPr lang="en-US" sz="1800" dirty="0"/>
+              <a:t>Original ATCOSIM:	10078 rows</a:t>
+            </a:r>
+            <a:br>
+              <a:rPr lang="en-US" sz="1800" dirty="0"/>
+            </a:br>
+            <a:r>
+              <a:rPr lang="en-US" sz="1800" dirty="0"/>
+              <a:t>After cleaning: 		9397   rows</a:t>
+            </a:r>
+          </a:p>
+          <a:p>
+            <a:pPr marL="0" indent="0">
+              <a:buNone/>
+            </a:pPr>
+            <a:r>
+              <a:rPr lang="en-US" sz="1800" dirty="0"/>
+              <a:t>Train-validation-test split of 8:1:1</a:t>
+            </a:r>
+          </a:p>
+        </p:txBody>
+      </p:sp>
+      <p:sp>
+        <p:nvSpPr>
+          <p:cNvPr id="4" name="Slide Number Placeholder 3">
+            <a:extLst>
+              <a:ext uri="{FF2B5EF4-FFF2-40B4-BE49-F238E27FC236}">
+                <a16:creationId xmlns:a16="http://schemas.microsoft.com/office/drawing/2014/main" id="{5C7B994D-5079-ACEF-8A88-E5F239D7AD60}"/>
+              </a:ext>
+            </a:extLst>
+          </p:cNvPr>
+          <p:cNvSpPr>
+            <a:spLocks noGrp="1"/>
+          </p:cNvSpPr>
+          <p:nvPr>
+            <p:ph type="sldNum" sz="quarter" idx="12"/>
+          </p:nvPr>
+        </p:nvSpPr>
+        <p:spPr/>
+        <p:txBody>
+          <a:bodyPr/>
+          <a:lstStyle/>
+          <a:p>
+            <a:fld id="{557A3E6A-0FDC-2641-BE73-5835A252D50B}" type="slidenum">
+              <a:rPr lang="nl-NL" smtClean="0"/>
+              <a:t>11</a:t>
+            </a:fld>
+            <a:endParaRPr lang="nl-NL"/>
+          </a:p>
+        </p:txBody>
+      </p:sp>
+    </p:spTree>
+    <p:extLst>
+      <p:ext uri="{BB962C8B-B14F-4D97-AF65-F5344CB8AC3E}">
+        <p14:creationId xmlns:p14="http://schemas.microsoft.com/office/powerpoint/2010/main" val="3969158603"/>
+      </p:ext>
+    </p:extLst>
+  </p:cSld>
+  <p:clrMapOvr>
+    <a:masterClrMapping/>
+  </p:clrMapOvr>
+</p:sld>
+</file>
+
+<file path=ppt/slides/slide12.xml><?xml version="1.0" encoding="utf-8"?>
+<p:sld xmlns:a="http://schemas.openxmlformats.org/drawingml/2006/main" xmlns:r="http://schemas.openxmlformats.org/officeDocument/2006/relationships" xmlns:p="http://schemas.openxmlformats.org/presentationml/2006/main">
+  <p:cSld>
+    <p:spTree>
+      <p:nvGrpSpPr>
+        <p:cNvPr id="1" name=""/>
+        <p:cNvGrpSpPr/>
+        <p:nvPr/>
+      </p:nvGrpSpPr>
+      <p:grpSpPr>
+        <a:xfrm>
+          <a:off x="0" y="0"/>
+          <a:ext cx="0" cy="0"/>
+          <a:chOff x="0" y="0"/>
+          <a:chExt cx="0" cy="0"/>
+        </a:xfrm>
+      </p:grpSpPr>
+      <p:sp>
+        <p:nvSpPr>
+          <p:cNvPr id="2" name="Title 1">
+            <a:extLst>
+              <a:ext uri="{FF2B5EF4-FFF2-40B4-BE49-F238E27FC236}">
+                <a16:creationId xmlns:a16="http://schemas.microsoft.com/office/drawing/2014/main" id="{E2656710-A520-C2CA-3BA9-8B1562F4EBF4}"/>
+              </a:ext>
+            </a:extLst>
+          </p:cNvPr>
+          <p:cNvSpPr>
+            <a:spLocks noGrp="1"/>
+          </p:cNvSpPr>
+          <p:nvPr>
+            <p:ph type="title"/>
+          </p:nvPr>
+        </p:nvSpPr>
+        <p:spPr/>
+        <p:txBody>
+          <a:bodyPr/>
+          <a:lstStyle/>
+          <a:p>
+            <a:r>
+              <a:rPr lang="nl-NL" dirty="0"/>
+              <a:t>Results</a:t>
+            </a:r>
+            <a:endParaRPr lang="en-US" dirty="0"/>
+          </a:p>
+        </p:txBody>
+      </p:sp>
+      <p:sp>
+        <p:nvSpPr>
+          <p:cNvPr id="3" name="Content Placeholder 2">
+            <a:extLst>
+              <a:ext uri="{FF2B5EF4-FFF2-40B4-BE49-F238E27FC236}">
+                <a16:creationId xmlns:a16="http://schemas.microsoft.com/office/drawing/2014/main" id="{95889E8C-B29A-4113-CC32-FC5EE6ECBE1D}"/>
+              </a:ext>
+            </a:extLst>
+          </p:cNvPr>
+          <p:cNvSpPr>
+            <a:spLocks noGrp="1"/>
+          </p:cNvSpPr>
+          <p:nvPr>
+            <p:ph idx="1"/>
+          </p:nvPr>
+        </p:nvSpPr>
+        <p:spPr/>
+        <p:txBody>
+          <a:bodyPr/>
+          <a:lstStyle/>
+          <a:p>
+            <a:endParaRPr lang="en-US"/>
+          </a:p>
+        </p:txBody>
+      </p:sp>
+      <p:sp>
+        <p:nvSpPr>
+          <p:cNvPr id="4" name="Slide Number Placeholder 3">
+            <a:extLst>
+              <a:ext uri="{FF2B5EF4-FFF2-40B4-BE49-F238E27FC236}">
+                <a16:creationId xmlns:a16="http://schemas.microsoft.com/office/drawing/2014/main" id="{07DD0B38-D143-4A81-E5F8-987B8C9537D6}"/>
+              </a:ext>
+            </a:extLst>
+          </p:cNvPr>
+          <p:cNvSpPr>
+            <a:spLocks noGrp="1"/>
+          </p:cNvSpPr>
+          <p:nvPr>
+            <p:ph type="sldNum" sz="quarter" idx="12"/>
+          </p:nvPr>
+        </p:nvSpPr>
+        <p:spPr/>
+        <p:txBody>
+          <a:bodyPr/>
+          <a:lstStyle/>
+          <a:p>
+            <a:fld id="{557A3E6A-0FDC-2641-BE73-5835A252D50B}" type="slidenum">
+              <a:rPr lang="nl-NL" smtClean="0"/>
+              <a:t>12</a:t>
+            </a:fld>
+            <a:endParaRPr lang="nl-NL"/>
+          </a:p>
+        </p:txBody>
+      </p:sp>
+    </p:spTree>
+    <p:extLst>
+      <p:ext uri="{BB962C8B-B14F-4D97-AF65-F5344CB8AC3E}">
+        <p14:creationId xmlns:p14="http://schemas.microsoft.com/office/powerpoint/2010/main" val="466879933"/>
+      </p:ext>
+    </p:extLst>
+  </p:cSld>
+  <p:clrMapOvr>
+    <a:masterClrMapping/>
+  </p:clrMapOvr>
+</p:sld>
+</file>
+
+<file path=ppt/slides/slide13.xml><?xml version="1.0" encoding="utf-8"?>
+<p:sld xmlns:a="http://schemas.openxmlformats.org/drawingml/2006/main" xmlns:r="http://schemas.openxmlformats.org/officeDocument/2006/relationships" xmlns:p="http://schemas.openxmlformats.org/presentationml/2006/main">
+  <p:cSld>
+    <p:spTree>
+      <p:nvGrpSpPr>
+        <p:cNvPr id="1" name=""/>
+        <p:cNvGrpSpPr/>
+        <p:nvPr/>
+      </p:nvGrpSpPr>
+      <p:grpSpPr>
+        <a:xfrm>
+          <a:off x="0" y="0"/>
+          <a:ext cx="0" cy="0"/>
+          <a:chOff x="0" y="0"/>
+          <a:chExt cx="0" cy="0"/>
+        </a:xfrm>
+      </p:grpSpPr>
+      <p:sp>
+        <p:nvSpPr>
+          <p:cNvPr id="2" name="Title 1">
+            <a:extLst>
+              <a:ext uri="{FF2B5EF4-FFF2-40B4-BE49-F238E27FC236}">
+                <a16:creationId xmlns:a16="http://schemas.microsoft.com/office/drawing/2014/main" id="{E2656710-A520-C2CA-3BA9-8B1562F4EBF4}"/>
+              </a:ext>
+            </a:extLst>
+          </p:cNvPr>
+          <p:cNvSpPr>
+            <a:spLocks noGrp="1"/>
+          </p:cNvSpPr>
+          <p:nvPr>
+            <p:ph type="title"/>
+          </p:nvPr>
+        </p:nvSpPr>
+        <p:spPr/>
+        <p:txBody>
+          <a:bodyPr/>
+          <a:lstStyle/>
+          <a:p>
+            <a:r>
+              <a:rPr lang="nl-NL" dirty="0"/>
+              <a:t>Discussion</a:t>
+            </a:r>
+            <a:endParaRPr lang="en-US" dirty="0"/>
+          </a:p>
+        </p:txBody>
+      </p:sp>
+      <p:sp>
+        <p:nvSpPr>
+          <p:cNvPr id="3" name="Content Placeholder 2">
+            <a:extLst>
+              <a:ext uri="{FF2B5EF4-FFF2-40B4-BE49-F238E27FC236}">
+                <a16:creationId xmlns:a16="http://schemas.microsoft.com/office/drawing/2014/main" id="{95889E8C-B29A-4113-CC32-FC5EE6ECBE1D}"/>
+              </a:ext>
+            </a:extLst>
+          </p:cNvPr>
+          <p:cNvSpPr>
+            <a:spLocks noGrp="1"/>
+          </p:cNvSpPr>
+          <p:nvPr>
+            <p:ph idx="1"/>
+          </p:nvPr>
+        </p:nvSpPr>
+        <p:spPr/>
+        <p:txBody>
+          <a:bodyPr/>
+          <a:lstStyle/>
+          <a:p>
+            <a:endParaRPr lang="en-US"/>
+          </a:p>
+        </p:txBody>
+      </p:sp>
+      <p:sp>
+        <p:nvSpPr>
+          <p:cNvPr id="4" name="Slide Number Placeholder 3">
+            <a:extLst>
+              <a:ext uri="{FF2B5EF4-FFF2-40B4-BE49-F238E27FC236}">
+                <a16:creationId xmlns:a16="http://schemas.microsoft.com/office/drawing/2014/main" id="{07DD0B38-D143-4A81-E5F8-987B8C9537D6}"/>
+              </a:ext>
+            </a:extLst>
+          </p:cNvPr>
+          <p:cNvSpPr>
+            <a:spLocks noGrp="1"/>
+          </p:cNvSpPr>
+          <p:nvPr>
+            <p:ph type="sldNum" sz="quarter" idx="12"/>
+          </p:nvPr>
+        </p:nvSpPr>
+        <p:spPr/>
+        <p:txBody>
+          <a:bodyPr/>
+          <a:lstStyle/>
+          <a:p>
+            <a:fld id="{557A3E6A-0FDC-2641-BE73-5835A252D50B}" type="slidenum">
+              <a:rPr lang="nl-NL" smtClean="0"/>
+              <a:t>13</a:t>
+            </a:fld>
+            <a:endParaRPr lang="nl-NL"/>
+          </a:p>
+        </p:txBody>
+      </p:sp>
+    </p:spTree>
+    <p:extLst>
+      <p:ext uri="{BB962C8B-B14F-4D97-AF65-F5344CB8AC3E}">
+        <p14:creationId xmlns:p14="http://schemas.microsoft.com/office/powerpoint/2010/main" val="1611586621"/>
+      </p:ext>
+    </p:extLst>
+  </p:cSld>
+  <p:clrMapOvr>
+    <a:masterClrMapping/>
+  </p:clrMapOvr>
+</p:sld>
+</file>
+
+<file path=ppt/slides/slide14.xml><?xml version="1.0" encoding="utf-8"?>
+<p:sld xmlns:a="http://schemas.openxmlformats.org/drawingml/2006/main" xmlns:r="http://schemas.openxmlformats.org/officeDocument/2006/relationships" xmlns:p="http://schemas.openxmlformats.org/presentationml/2006/main">
+  <p:cSld>
+    <p:spTree>
+      <p:nvGrpSpPr>
+        <p:cNvPr id="1" name=""/>
+        <p:cNvGrpSpPr/>
+        <p:nvPr/>
+      </p:nvGrpSpPr>
+      <p:grpSpPr>
+        <a:xfrm>
+          <a:off x="0" y="0"/>
+          <a:ext cx="0" cy="0"/>
+          <a:chOff x="0" y="0"/>
+          <a:chExt cx="0" cy="0"/>
+        </a:xfrm>
+      </p:grpSpPr>
+      <p:sp>
+        <p:nvSpPr>
+          <p:cNvPr id="2" name="Title 1">
+            <a:extLst>
+              <a:ext uri="{FF2B5EF4-FFF2-40B4-BE49-F238E27FC236}">
+                <a16:creationId xmlns:a16="http://schemas.microsoft.com/office/drawing/2014/main" id="{E2656710-A520-C2CA-3BA9-8B1562F4EBF4}"/>
+              </a:ext>
+            </a:extLst>
+          </p:cNvPr>
+          <p:cNvSpPr>
+            <a:spLocks noGrp="1"/>
+          </p:cNvSpPr>
+          <p:nvPr>
+            <p:ph type="title"/>
+          </p:nvPr>
+        </p:nvSpPr>
+        <p:spPr/>
+        <p:txBody>
+          <a:bodyPr/>
+          <a:lstStyle/>
+          <a:p>
+            <a:r>
+              <a:rPr lang="nl-NL" dirty="0"/>
+              <a:t>Conclusion</a:t>
+            </a:r>
+            <a:endParaRPr lang="en-US" dirty="0"/>
+          </a:p>
+        </p:txBody>
+      </p:sp>
+      <p:sp>
+        <p:nvSpPr>
+          <p:cNvPr id="3" name="Content Placeholder 2">
+            <a:extLst>
+              <a:ext uri="{FF2B5EF4-FFF2-40B4-BE49-F238E27FC236}">
+                <a16:creationId xmlns:a16="http://schemas.microsoft.com/office/drawing/2014/main" id="{95889E8C-B29A-4113-CC32-FC5EE6ECBE1D}"/>
+              </a:ext>
+            </a:extLst>
+          </p:cNvPr>
+          <p:cNvSpPr>
+            <a:spLocks noGrp="1"/>
+          </p:cNvSpPr>
+          <p:nvPr>
+            <p:ph idx="1"/>
+          </p:nvPr>
+        </p:nvSpPr>
+        <p:spPr/>
+        <p:txBody>
+          <a:bodyPr/>
+          <a:lstStyle/>
+          <a:p>
+            <a:endParaRPr lang="en-US"/>
+          </a:p>
+        </p:txBody>
+      </p:sp>
+      <p:sp>
+        <p:nvSpPr>
+          <p:cNvPr id="4" name="Slide Number Placeholder 3">
+            <a:extLst>
+              <a:ext uri="{FF2B5EF4-FFF2-40B4-BE49-F238E27FC236}">
+                <a16:creationId xmlns:a16="http://schemas.microsoft.com/office/drawing/2014/main" id="{07DD0B38-D143-4A81-E5F8-987B8C9537D6}"/>
+              </a:ext>
+            </a:extLst>
+          </p:cNvPr>
+          <p:cNvSpPr>
+            <a:spLocks noGrp="1"/>
+          </p:cNvSpPr>
+          <p:nvPr>
+            <p:ph type="sldNum" sz="quarter" idx="12"/>
+          </p:nvPr>
+        </p:nvSpPr>
+        <p:spPr/>
+        <p:txBody>
+          <a:bodyPr/>
+          <a:lstStyle/>
+          <a:p>
+            <a:fld id="{557A3E6A-0FDC-2641-BE73-5835A252D50B}" type="slidenum">
+              <a:rPr lang="nl-NL" smtClean="0"/>
+              <a:t>14</a:t>
+            </a:fld>
+            <a:endParaRPr lang="nl-NL"/>
+          </a:p>
+        </p:txBody>
+      </p:sp>
+    </p:spTree>
+    <p:extLst>
+      <p:ext uri="{BB962C8B-B14F-4D97-AF65-F5344CB8AC3E}">
+        <p14:creationId xmlns:p14="http://schemas.microsoft.com/office/powerpoint/2010/main" val="344043352"/>
+      </p:ext>
+    </p:extLst>
+  </p:cSld>
+  <p:clrMapOvr>
+    <a:masterClrMapping/>
+  </p:clrMapOvr>
+</p:sld>
+</file>
+
+<file path=ppt/slides/slide15.xml><?xml version="1.0" encoding="utf-8"?>
+<p:sld xmlns:a="http://schemas.openxmlformats.org/drawingml/2006/main" xmlns:r="http://schemas.openxmlformats.org/officeDocument/2006/relationships" xmlns:p="http://schemas.openxmlformats.org/presentationml/2006/main">
+  <p:cSld>
+    <p:spTree>
+      <p:nvGrpSpPr>
+        <p:cNvPr id="1" name=""/>
+        <p:cNvGrpSpPr/>
+        <p:nvPr/>
+      </p:nvGrpSpPr>
+      <p:grpSpPr>
+        <a:xfrm>
+          <a:off x="0" y="0"/>
+          <a:ext cx="0" cy="0"/>
+          <a:chOff x="0" y="0"/>
+          <a:chExt cx="0" cy="0"/>
+        </a:xfrm>
+      </p:grpSpPr>
+      <p:sp>
+        <p:nvSpPr>
+          <p:cNvPr id="2" name="Title 1">
+            <a:extLst>
+              <a:ext uri="{FF2B5EF4-FFF2-40B4-BE49-F238E27FC236}">
+                <a16:creationId xmlns:a16="http://schemas.microsoft.com/office/drawing/2014/main" id="{8934F46E-19B9-4235-8CDC-EEBF0A5E2819}"/>
+              </a:ext>
+            </a:extLst>
+          </p:cNvPr>
+          <p:cNvSpPr>
+            <a:spLocks noGrp="1"/>
+          </p:cNvSpPr>
+          <p:nvPr>
+            <p:ph type="title"/>
+          </p:nvPr>
+        </p:nvSpPr>
+        <p:spPr/>
+        <p:txBody>
+          <a:bodyPr/>
+          <a:lstStyle/>
+          <a:p>
+            <a:r>
+              <a:rPr lang="nl-NL" dirty="0"/>
+              <a:t>References</a:t>
+            </a:r>
+            <a:endParaRPr lang="en-US" dirty="0"/>
+          </a:p>
+        </p:txBody>
+      </p:sp>
+      <p:sp>
+        <p:nvSpPr>
+          <p:cNvPr id="3" name="Content Placeholder 2">
+            <a:extLst>
+              <a:ext uri="{FF2B5EF4-FFF2-40B4-BE49-F238E27FC236}">
+                <a16:creationId xmlns:a16="http://schemas.microsoft.com/office/drawing/2014/main" id="{58D2BA99-339B-4FBB-8776-3159EA466D62}"/>
+              </a:ext>
+            </a:extLst>
+          </p:cNvPr>
+          <p:cNvSpPr>
+            <a:spLocks noGrp="1"/>
+          </p:cNvSpPr>
+          <p:nvPr>
+            <p:ph idx="1"/>
+          </p:nvPr>
+        </p:nvSpPr>
+        <p:spPr>
+          <a:xfrm>
+            <a:off x="628650" y="1825624"/>
+            <a:ext cx="8164830" cy="4956175"/>
+          </a:xfrm>
+        </p:spPr>
+        <p:txBody>
+          <a:bodyPr>
+            <a:normAutofit/>
+          </a:bodyPr>
+          <a:lstStyle/>
+          <a:p>
+            <a:pPr marL="0" indent="0">
+              <a:buNone/>
+            </a:pPr>
+            <a:r>
+              <a:rPr lang="en-US" sz="1050" dirty="0"/>
+              <a:t>Helmke, H., </a:t>
+            </a:r>
+            <a:r>
+              <a:rPr lang="en-US" sz="1050" dirty="0" err="1"/>
+              <a:t>Ohneiser</a:t>
+            </a:r>
+            <a:r>
+              <a:rPr lang="en-US" sz="1050" dirty="0"/>
+              <a:t>, O., </a:t>
+            </a:r>
+            <a:r>
+              <a:rPr lang="en-US" sz="1050" dirty="0" err="1"/>
+              <a:t>Muhlhausen</a:t>
+            </a:r>
+            <a:r>
+              <a:rPr lang="en-US" sz="1050" dirty="0"/>
+              <a:t>, T., &amp; </a:t>
+            </a:r>
+            <a:r>
+              <a:rPr lang="en-US" sz="1050" dirty="0" err="1"/>
+              <a:t>Wies</a:t>
+            </a:r>
+            <a:r>
+              <a:rPr lang="en-US" sz="1050" dirty="0"/>
+              <a:t>, M. (2016). Reducing controller workload with automatic speech recognition. 	AIAA/IEEE Digital Avionics Systems Conference - Proceedings, 2016-December. 	https://doi.org/10.1109/DASC.2016.7778024</a:t>
+            </a:r>
+          </a:p>
+          <a:p>
+            <a:pPr marL="0" indent="0">
+              <a:buNone/>
+            </a:pPr>
+            <a:r>
+              <a:rPr lang="en-US" sz="1050" dirty="0" err="1"/>
+              <a:t>Hofbauer</a:t>
+            </a:r>
+            <a:r>
+              <a:rPr lang="en-US" sz="1050" dirty="0"/>
+              <a:t>, K., Petrik, S., &amp; </a:t>
+            </a:r>
+            <a:r>
+              <a:rPr lang="en-US" sz="1050" dirty="0" err="1"/>
+              <a:t>Hering</a:t>
+            </a:r>
+            <a:r>
+              <a:rPr lang="en-US" sz="1050" dirty="0"/>
+              <a:t>, H. (n.d.). The ATCOSIM Corpus of Non-Prompted Clean Air Traffic Control Speech</a:t>
+            </a:r>
+          </a:p>
+          <a:p>
+            <a:pPr marL="0" indent="0">
+              <a:buNone/>
+            </a:pPr>
+            <a:r>
+              <a:rPr lang="en-US" sz="1050" dirty="0" err="1"/>
+              <a:t>Trentin</a:t>
+            </a:r>
+            <a:r>
+              <a:rPr lang="en-US" sz="1050" dirty="0"/>
+              <a:t>, E., &amp; Gori, M. (2001). A survey of hybrid ANN/HMM models for automatic speech recognition.</a:t>
+            </a:r>
+            <a:br>
+              <a:rPr lang="en-US" sz="1050" dirty="0"/>
+            </a:br>
+            <a:r>
+              <a:rPr lang="en-US" sz="1050" dirty="0"/>
+              <a:t>	In Neurocomputing (Vol. 	37).</a:t>
+            </a:r>
+          </a:p>
+          <a:p>
+            <a:pPr marL="0" indent="0">
+              <a:buNone/>
+            </a:pPr>
+            <a:r>
+              <a:rPr lang="en-US" sz="1050" dirty="0"/>
+              <a:t>Yi, C., Wang, J., Cheng, N., Zhou, S., &amp; Xu, B. (2020). Applying Wav2vec2.0 to Speech Recognition in Various Low-resource 	Languages. http://arxiv.org/abs/2012.12121</a:t>
+            </a:r>
+          </a:p>
+          <a:p>
+            <a:pPr marL="0" indent="0">
+              <a:buNone/>
+            </a:pPr>
+            <a:r>
+              <a:rPr lang="en-US" sz="1050" dirty="0" err="1"/>
+              <a:t>Zuluaga</a:t>
+            </a:r>
+            <a:r>
+              <a:rPr lang="en-US" sz="1050" dirty="0"/>
+              <a:t>-Gomez, J., Prasad, A., </a:t>
+            </a:r>
+            <a:r>
+              <a:rPr lang="en-US" sz="1050" dirty="0" err="1"/>
+              <a:t>Nigmatulina</a:t>
+            </a:r>
+            <a:r>
+              <a:rPr lang="en-US" sz="1050" dirty="0"/>
+              <a:t>, I., </a:t>
+            </a:r>
+            <a:r>
+              <a:rPr lang="en-US" sz="1050" dirty="0" err="1"/>
+              <a:t>Sarfjoo</a:t>
+            </a:r>
+            <a:r>
+              <a:rPr lang="en-US" sz="1050" dirty="0"/>
+              <a:t>, S., </a:t>
+            </a:r>
+            <a:r>
+              <a:rPr lang="en-US" sz="1050" dirty="0" err="1"/>
+              <a:t>Motlicek</a:t>
+            </a:r>
+            <a:r>
+              <a:rPr lang="en-US" sz="1050" dirty="0"/>
+              <a:t>, P., Kleinert, M., Helmke, H., </a:t>
+            </a:r>
+            <a:r>
+              <a:rPr lang="en-US" sz="1050" dirty="0" err="1"/>
+              <a:t>Ohneiser</a:t>
+            </a:r>
+            <a:r>
+              <a:rPr lang="en-US" sz="1050" dirty="0"/>
+              <a:t>, O., &amp; Zhan, Q. (2022). 	How Does Pre-trained Wav2Vec2.0 Perform on Domain Shifted ASR? An Extensive Benchmark on Air Traffic 	Control Communications. http://arxiv.org/abs/2203.16822</a:t>
+            </a:r>
+          </a:p>
+          <a:p>
+            <a:pPr marL="0" indent="0">
+              <a:buNone/>
+            </a:pPr>
+            <a:r>
+              <a:rPr lang="en-US" sz="1050" dirty="0"/>
+              <a:t>Babu, A., Wang, C., </a:t>
+            </a:r>
+            <a:r>
+              <a:rPr lang="en-US" sz="1050" dirty="0" err="1"/>
+              <a:t>Tjandra</a:t>
+            </a:r>
+            <a:r>
+              <a:rPr lang="en-US" sz="1050" dirty="0"/>
+              <a:t>, A., </a:t>
+            </a:r>
+            <a:r>
+              <a:rPr lang="en-US" sz="1050" dirty="0" err="1"/>
+              <a:t>Lakhotia</a:t>
+            </a:r>
+            <a:r>
+              <a:rPr lang="en-US" sz="1050" dirty="0"/>
+              <a:t>, K., Xu, Q., Goyal, N., Singh, K., von Platen, P., Saraf, Y., Pino, J., </a:t>
+            </a:r>
+            <a:r>
+              <a:rPr lang="en-US" sz="1050" dirty="0" err="1"/>
+              <a:t>Baevski</a:t>
+            </a:r>
+            <a:r>
+              <a:rPr lang="en-US" sz="1050" dirty="0"/>
+              <a:t>, A., </a:t>
+            </a:r>
+            <a:r>
+              <a:rPr lang="en-US" sz="1050" dirty="0" err="1"/>
+              <a:t>Conneau</a:t>
+            </a:r>
+            <a:r>
+              <a:rPr lang="en-US" sz="1050" dirty="0"/>
+              <a:t>, A., &amp; 	Auli, M. (2021). XLS-R: Self-supervised Cross-lingual Speech Representation Learning at Scale. 	http://arxiv.org/abs/2111.09296</a:t>
+            </a:r>
+          </a:p>
+        </p:txBody>
+      </p:sp>
+      <p:sp>
+        <p:nvSpPr>
+          <p:cNvPr id="4" name="Slide Number Placeholder 3">
+            <a:extLst>
+              <a:ext uri="{FF2B5EF4-FFF2-40B4-BE49-F238E27FC236}">
+                <a16:creationId xmlns:a16="http://schemas.microsoft.com/office/drawing/2014/main" id="{8EE0F5D7-6D51-491F-9FB8-08145EC87FAB}"/>
+              </a:ext>
+            </a:extLst>
+          </p:cNvPr>
+          <p:cNvSpPr>
+            <a:spLocks noGrp="1"/>
+          </p:cNvSpPr>
+          <p:nvPr>
+            <p:ph type="sldNum" sz="quarter" idx="12"/>
+          </p:nvPr>
+        </p:nvSpPr>
+        <p:spPr/>
+        <p:txBody>
+          <a:bodyPr/>
+          <a:lstStyle/>
+          <a:p>
+            <a:fld id="{557A3E6A-0FDC-2641-BE73-5835A252D50B}" type="slidenum">
+              <a:rPr lang="nl-NL" smtClean="0"/>
+              <a:t>15</a:t>
+            </a:fld>
+            <a:endParaRPr lang="nl-NL"/>
+          </a:p>
+        </p:txBody>
+      </p:sp>
+    </p:spTree>
+    <p:extLst>
+      <p:ext uri="{BB962C8B-B14F-4D97-AF65-F5344CB8AC3E}">
+        <p14:creationId xmlns:p14="http://schemas.microsoft.com/office/powerpoint/2010/main" val="2508083898"/>
+      </p:ext>
+    </p:extLst>
+  </p:cSld>
+  <p:clrMapOvr>
+    <a:masterClrMapping/>
+  </p:clrMapOvr>
+</p:sld>
+</file>
+
 <file path=ppt/slides/slide2.xml><?xml version="1.0" encoding="utf-8"?>
 <p:sld xmlns:a="http://schemas.openxmlformats.org/drawingml/2006/main" xmlns:r="http://schemas.openxmlformats.org/officeDocument/2006/relationships" xmlns:p="http://schemas.openxmlformats.org/presentationml/2006/main">
   <p:cSld>
@@ -7555,8 +8541,8 @@
         </p:nvSpPr>
         <p:spPr>
           <a:xfrm>
-            <a:off x="702906" y="3429000"/>
-            <a:ext cx="6836228" cy="3170099"/>
+            <a:off x="800099" y="3429001"/>
+            <a:ext cx="7715251" cy="3170099"/>
           </a:xfrm>
           <a:prstGeom prst="rect">
             <a:avLst/>
@@ -7597,7 +8583,7 @@
               <a:rPr lang="nl-NL" sz="2000" dirty="0">
                 <a:latin typeface="Open Sans"/>
               </a:rPr>
-              <a:t>ATC communication does not follow regular speech conventions - callsigns</a:t>
+              <a:t>ATC communication does not follow regular speech conventions – callsigns</a:t>
             </a:r>
           </a:p>
           <a:p>
@@ -7606,10 +8592,8 @@
               <a:buChar char="•"/>
             </a:pPr>
             <a:r>
-              <a:rPr lang="nl-NL" sz="2000" dirty="0">
-                <a:latin typeface="Open Sans"/>
-              </a:rPr>
-              <a:t>Transcribed ATC data is scarce – non-transcribed is not</a:t>
+              <a:rPr lang="nl-NL" sz="2000" dirty="0"/>
+              <a:t>Standard ASR models perform poorly</a:t>
             </a:r>
           </a:p>
           <a:p>
@@ -7618,19 +8602,18 @@
               <a:buChar char="•"/>
             </a:pPr>
             <a:r>
-              <a:rPr lang="nl-NL" sz="2000" dirty="0">
-                <a:latin typeface="Open Sans"/>
-              </a:rPr>
-              <a:t>Standard ASR models perform poorly</a:t>
-            </a:r>
-          </a:p>
-          <a:p>
-            <a:r>
-              <a:rPr lang="nl-NL" sz="2000" dirty="0">
-                <a:latin typeface="Open Sans"/>
-              </a:rPr>
-              <a:t>		</a:t>
-            </a:r>
+              <a:rPr lang="nl-NL" sz="2000" dirty="0"/>
+              <a:t>Transcribed ATC data is scarce – non-transcribed is not</a:t>
+            </a:r>
+          </a:p>
+          <a:p>
+            <a:pPr marL="285750" indent="-285750">
+              <a:buFont typeface="Arial" panose="020B0604020202020204" pitchFamily="34" charset="0"/>
+              <a:buChar char="•"/>
+            </a:pPr>
+            <a:endParaRPr lang="nl-NL" sz="2000" dirty="0">
+              <a:latin typeface="Open Sans"/>
+            </a:endParaRPr>
           </a:p>
           <a:p>
             <a:pPr marL="285750" indent="-285750">
@@ -7731,7 +8714,7 @@
               <a:rPr lang="nl-NL" sz="2000" dirty="0">
                 <a:latin typeface="Open Sans"/>
               </a:rPr>
-              <a:t>“without the dataset, the article is useless”</a:t>
+              <a:t>“without the dataset, the article is useless” </a:t>
             </a:r>
             <a:endParaRPr lang="en-US" sz="2000" dirty="0">
               <a:latin typeface="Open Sans"/>
@@ -8081,7 +9064,7 @@
           <p:cNvPr id="2" name="Title 1">
             <a:extLst>
               <a:ext uri="{FF2B5EF4-FFF2-40B4-BE49-F238E27FC236}">
-                <a16:creationId xmlns:a16="http://schemas.microsoft.com/office/drawing/2014/main" id="{8934F46E-19B9-4235-8CDC-EEBF0A5E2819}"/>
+                <a16:creationId xmlns:a16="http://schemas.microsoft.com/office/drawing/2014/main" id="{69DD7583-BBE9-6E60-0885-33A4289028B3}"/>
               </a:ext>
             </a:extLst>
           </p:cNvPr>
@@ -8099,7 +9082,7 @@
           <a:p>
             <a:r>
               <a:rPr lang="nl-NL" dirty="0"/>
-              <a:t>References</a:t>
+              <a:t>Motivation</a:t>
             </a:r>
             <a:endParaRPr lang="en-US" dirty="0"/>
           </a:p>
@@ -8110,7 +9093,7 @@
           <p:cNvPr id="3" name="Content Placeholder 2">
             <a:extLst>
               <a:ext uri="{FF2B5EF4-FFF2-40B4-BE49-F238E27FC236}">
-                <a16:creationId xmlns:a16="http://schemas.microsoft.com/office/drawing/2014/main" id="{58D2BA99-339B-4FBB-8776-3159EA466D62}"/>
+                <a16:creationId xmlns:a16="http://schemas.microsoft.com/office/drawing/2014/main" id="{3BD8A1D0-5A5E-D66E-EADE-14D446ABC34B}"/>
               </a:ext>
             </a:extLst>
           </p:cNvPr>
@@ -8121,71 +9104,122 @@
             <p:ph idx="1"/>
           </p:nvPr>
         </p:nvSpPr>
-        <p:spPr/>
-        <p:txBody>
-          <a:bodyPr>
-            <a:normAutofit/>
-          </a:bodyPr>
+        <p:spPr>
+          <a:xfrm>
+            <a:off x="628650" y="1825625"/>
+            <a:ext cx="7886700" cy="2472055"/>
+          </a:xfrm>
+        </p:spPr>
+        <p:txBody>
+          <a:bodyPr/>
           <a:lstStyle/>
           <a:p>
             <a:pPr marL="0" indent="0">
               <a:buNone/>
             </a:pPr>
             <a:r>
-              <a:rPr lang="en-US" sz="1400" dirty="0"/>
-              <a:t>Helmke, H., </a:t>
-            </a:r>
-            <a:r>
-              <a:rPr lang="en-US" sz="1400" dirty="0" err="1"/>
-              <a:t>Ohneiser</a:t>
-            </a:r>
-            <a:r>
-              <a:rPr lang="en-US" sz="1400" dirty="0"/>
-              <a:t>, O., </a:t>
-            </a:r>
-            <a:r>
-              <a:rPr lang="en-US" sz="1400" dirty="0" err="1"/>
-              <a:t>Muhlhausen</a:t>
-            </a:r>
-            <a:r>
-              <a:rPr lang="en-US" sz="1400" dirty="0"/>
-              <a:t>, T., &amp; </a:t>
-            </a:r>
-            <a:r>
-              <a:rPr lang="en-US" sz="1400" dirty="0" err="1"/>
-              <a:t>Wies</a:t>
-            </a:r>
-            <a:r>
-              <a:rPr lang="en-US" sz="1400" dirty="0"/>
-              <a:t>, M. (2016). Reducing</a:t>
-            </a:r>
-            <a:br>
-              <a:rPr lang="en-US" sz="1400" dirty="0"/>
-            </a:br>
-            <a:r>
-              <a:rPr lang="en-US" sz="1400" dirty="0"/>
-              <a:t>	controller workload with automatic speech recognition. AIAA/IEEE</a:t>
-            </a:r>
-            <a:br>
-              <a:rPr lang="en-US" sz="1400" dirty="0"/>
-            </a:br>
-            <a:r>
-              <a:rPr lang="en-US" sz="1400" dirty="0"/>
-              <a:t>	Digital Avionics Systems Conference - Proceedings, 2016-December.</a:t>
-            </a:r>
-            <a:br>
-              <a:rPr lang="en-US" sz="1400" dirty="0"/>
-            </a:br>
-            <a:r>
-              <a:rPr lang="en-US" sz="1400" dirty="0"/>
-              <a:t>	https://doi.org/10.1109/DASC.2016.7778024</a:t>
+              <a:rPr lang="nl-NL" sz="2000" dirty="0">
+                <a:latin typeface="Open Sans"/>
+                <a:ea typeface="+mn-ea"/>
+                <a:cs typeface="+mn-cs"/>
+              </a:rPr>
+              <a:t>D</a:t>
+            </a:r>
+            <a:r>
+              <a:rPr lang="en-US" sz="2000" dirty="0">
+                <a:latin typeface="Open Sans"/>
+                <a:ea typeface="+mn-ea"/>
+                <a:cs typeface="+mn-cs"/>
+              </a:rPr>
+              <a:t>ifferent model architectures exist:</a:t>
+            </a:r>
+          </a:p>
+          <a:p>
+            <a:r>
+              <a:rPr lang="nl-NL" sz="2000" dirty="0">
+                <a:latin typeface="Open Sans"/>
+                <a:ea typeface="+mn-ea"/>
+                <a:cs typeface="+mn-cs"/>
+              </a:rPr>
+              <a:t>ANN, HMM and RNN - </a:t>
+            </a:r>
+            <a:r>
+              <a:rPr lang="en-US" sz="2000" dirty="0">
+                <a:latin typeface="Open Sans"/>
+                <a:ea typeface="+mn-ea"/>
+                <a:cs typeface="+mn-cs"/>
+              </a:rPr>
+              <a:t>(</a:t>
+            </a:r>
+            <a:r>
+              <a:rPr lang="en-US" sz="2000" dirty="0" err="1">
+                <a:latin typeface="Open Sans"/>
+                <a:ea typeface="+mn-ea"/>
+                <a:cs typeface="+mn-cs"/>
+              </a:rPr>
+              <a:t>Trentin</a:t>
+            </a:r>
+            <a:r>
+              <a:rPr lang="en-US" sz="2000" dirty="0">
+                <a:latin typeface="Open Sans"/>
+                <a:ea typeface="+mn-ea"/>
+                <a:cs typeface="+mn-cs"/>
+              </a:rPr>
+              <a:t> &amp; Gori, 2001)</a:t>
             </a:r>
           </a:p>
           <a:p>
             <a:pPr marL="0" indent="0">
               <a:buNone/>
             </a:pPr>
-            <a:endParaRPr lang="en-US" sz="1400" dirty="0"/>
+            <a:endParaRPr lang="nl-NL" sz="2000" dirty="0">
+              <a:latin typeface="Open Sans"/>
+              <a:ea typeface="+mn-ea"/>
+              <a:cs typeface="+mn-cs"/>
+            </a:endParaRPr>
+          </a:p>
+          <a:p>
+            <a:pPr marL="0" indent="0">
+              <a:buNone/>
+            </a:pPr>
+            <a:r>
+              <a:rPr lang="nl-NL" sz="2000" dirty="0">
+                <a:latin typeface="Open Sans"/>
+                <a:ea typeface="+mn-ea"/>
+                <a:cs typeface="+mn-cs"/>
+              </a:rPr>
+              <a:t>Wav2Vec2 transformer model:</a:t>
+            </a:r>
+          </a:p>
+          <a:p>
+            <a:r>
+              <a:rPr lang="nl-NL" sz="2000" dirty="0">
+                <a:latin typeface="Open Sans"/>
+                <a:ea typeface="+mn-ea"/>
+                <a:cs typeface="+mn-cs"/>
+              </a:rPr>
+              <a:t>Lower Word Error Rate (WER)</a:t>
+            </a:r>
+          </a:p>
+          <a:p>
+            <a:r>
+              <a:rPr lang="nl-NL" sz="2000" dirty="0">
+                <a:latin typeface="Open Sans"/>
+                <a:ea typeface="+mn-ea"/>
+                <a:cs typeface="+mn-cs"/>
+              </a:rPr>
+              <a:t>Insufficiently studied in the ATC domain</a:t>
+            </a:r>
+          </a:p>
+          <a:p>
+            <a:pPr marL="0" indent="0">
+              <a:buNone/>
+            </a:pPr>
+            <a:endParaRPr lang="nl-NL" sz="2000" dirty="0">
+              <a:latin typeface="Open Sans"/>
+              <a:ea typeface="+mn-ea"/>
+              <a:cs typeface="+mn-cs"/>
+            </a:endParaRPr>
           </a:p>
         </p:txBody>
       </p:sp>
@@ -8194,7 +9228,7 @@
           <p:cNvPr id="4" name="Slide Number Placeholder 3">
             <a:extLst>
               <a:ext uri="{FF2B5EF4-FFF2-40B4-BE49-F238E27FC236}">
-                <a16:creationId xmlns:a16="http://schemas.microsoft.com/office/drawing/2014/main" id="{8EE0F5D7-6D51-491F-9FB8-08145EC87FAB}"/>
+                <a16:creationId xmlns:a16="http://schemas.microsoft.com/office/drawing/2014/main" id="{975F8A64-218A-FCF6-0E1E-50308D0808BF}"/>
               </a:ext>
             </a:extLst>
           </p:cNvPr>
@@ -8218,10 +9252,1290 @@
           </a:p>
         </p:txBody>
       </p:sp>
+      <p:sp>
+        <p:nvSpPr>
+          <p:cNvPr id="6" name="TextBox 5">
+            <a:extLst>
+              <a:ext uri="{FF2B5EF4-FFF2-40B4-BE49-F238E27FC236}">
+                <a16:creationId xmlns:a16="http://schemas.microsoft.com/office/drawing/2014/main" id="{36988CFA-C552-2EA5-94B6-D3B16451B551}"/>
+              </a:ext>
+            </a:extLst>
+          </p:cNvPr>
+          <p:cNvSpPr txBox="1"/>
+          <p:nvPr/>
+        </p:nvSpPr>
+        <p:spPr>
+          <a:xfrm>
+            <a:off x="784860" y="4480560"/>
+            <a:ext cx="6827520" cy="646331"/>
+          </a:xfrm>
+          <a:prstGeom prst="rect">
+            <a:avLst/>
+          </a:prstGeom>
+          <a:noFill/>
+        </p:spPr>
+        <p:txBody>
+          <a:bodyPr wrap="square" rtlCol="0">
+            <a:spAutoFit/>
+          </a:bodyPr>
+          <a:lstStyle/>
+          <a:p>
+            <a:r>
+              <a:rPr lang="nl-NL" dirty="0">
+                <a:latin typeface="Open Sans"/>
+              </a:rPr>
+              <a:t>S</a:t>
+            </a:r>
+            <a:r>
+              <a:rPr lang="nl-NL" sz="1800" dirty="0">
+                <a:latin typeface="Open Sans"/>
+                <a:ea typeface="+mn-ea"/>
+                <a:cs typeface="+mn-cs"/>
+              </a:rPr>
+              <a:t>tate-of-the-art (SOTA) models are still not able to achieve 0% WERs, which is essential in ATC communication </a:t>
+            </a:r>
+            <a:endParaRPr lang="en-US" dirty="0"/>
+          </a:p>
+        </p:txBody>
+      </p:sp>
     </p:spTree>
     <p:extLst>
       <p:ext uri="{BB962C8B-B14F-4D97-AF65-F5344CB8AC3E}">
-        <p14:creationId xmlns:p14="http://schemas.microsoft.com/office/powerpoint/2010/main" val="2508083898"/>
+        <p14:creationId xmlns:p14="http://schemas.microsoft.com/office/powerpoint/2010/main" val="2879928168"/>
+      </p:ext>
+    </p:extLst>
+  </p:cSld>
+  <p:clrMapOvr>
+    <a:masterClrMapping/>
+  </p:clrMapOvr>
+</p:sld>
+</file>
+
+<file path=ppt/slides/slide6.xml><?xml version="1.0" encoding="utf-8"?>
+<p:sld xmlns:a="http://schemas.openxmlformats.org/drawingml/2006/main" xmlns:r="http://schemas.openxmlformats.org/officeDocument/2006/relationships" xmlns:p="http://schemas.openxmlformats.org/presentationml/2006/main">
+  <p:cSld>
+    <p:spTree>
+      <p:nvGrpSpPr>
+        <p:cNvPr id="1" name=""/>
+        <p:cNvGrpSpPr/>
+        <p:nvPr/>
+      </p:nvGrpSpPr>
+      <p:grpSpPr>
+        <a:xfrm>
+          <a:off x="0" y="0"/>
+          <a:ext cx="0" cy="0"/>
+          <a:chOff x="0" y="0"/>
+          <a:chExt cx="0" cy="0"/>
+        </a:xfrm>
+      </p:grpSpPr>
+      <p:sp>
+        <p:nvSpPr>
+          <p:cNvPr id="2" name="Title 1">
+            <a:extLst>
+              <a:ext uri="{FF2B5EF4-FFF2-40B4-BE49-F238E27FC236}">
+                <a16:creationId xmlns:a16="http://schemas.microsoft.com/office/drawing/2014/main" id="{69DD7583-BBE9-6E60-0885-33A4289028B3}"/>
+              </a:ext>
+            </a:extLst>
+          </p:cNvPr>
+          <p:cNvSpPr>
+            <a:spLocks noGrp="1"/>
+          </p:cNvSpPr>
+          <p:nvPr>
+            <p:ph type="title"/>
+          </p:nvPr>
+        </p:nvSpPr>
+        <p:spPr/>
+        <p:txBody>
+          <a:bodyPr/>
+          <a:lstStyle/>
+          <a:p>
+            <a:r>
+              <a:rPr lang="nl-NL" dirty="0"/>
+              <a:t>Research questions</a:t>
+            </a:r>
+            <a:endParaRPr lang="en-US" dirty="0"/>
+          </a:p>
+        </p:txBody>
+      </p:sp>
+      <p:sp>
+        <p:nvSpPr>
+          <p:cNvPr id="3" name="Content Placeholder 2">
+            <a:extLst>
+              <a:ext uri="{FF2B5EF4-FFF2-40B4-BE49-F238E27FC236}">
+                <a16:creationId xmlns:a16="http://schemas.microsoft.com/office/drawing/2014/main" id="{3BD8A1D0-5A5E-D66E-EADE-14D446ABC34B}"/>
+              </a:ext>
+            </a:extLst>
+          </p:cNvPr>
+          <p:cNvSpPr>
+            <a:spLocks noGrp="1"/>
+          </p:cNvSpPr>
+          <p:nvPr>
+            <p:ph idx="1"/>
+          </p:nvPr>
+        </p:nvSpPr>
+        <p:spPr>
+          <a:xfrm>
+            <a:off x="628650" y="1825625"/>
+            <a:ext cx="7738110" cy="3942715"/>
+          </a:xfrm>
+        </p:spPr>
+        <p:txBody>
+          <a:bodyPr>
+            <a:normAutofit/>
+          </a:bodyPr>
+          <a:lstStyle/>
+          <a:p>
+            <a:r>
+              <a:rPr lang="en-US" sz="2000" dirty="0">
+                <a:latin typeface="Open Sans"/>
+                <a:ea typeface="+mn-ea"/>
+                <a:cs typeface="+mn-cs"/>
+              </a:rPr>
+              <a:t>How robust are pretrained and fine-tuned ASR models on ATC data?</a:t>
+            </a:r>
+          </a:p>
+          <a:p>
+            <a:r>
+              <a:rPr lang="en-US" sz="2000" dirty="0">
+                <a:latin typeface="Open Sans"/>
+                <a:ea typeface="+mn-ea"/>
+                <a:cs typeface="+mn-cs"/>
+              </a:rPr>
+              <a:t>How does a language model affect the performance of a fine-tuned XLS-R model on ATC data?</a:t>
+            </a:r>
+          </a:p>
+          <a:p>
+            <a:r>
+              <a:rPr lang="en-US" sz="2000" dirty="0">
+                <a:latin typeface="Open Sans"/>
+                <a:ea typeface="+mn-ea"/>
+                <a:cs typeface="+mn-cs"/>
+              </a:rPr>
+              <a:t>How does the amount of data used to fine-tune affect performance of a fine-tuned XLS-R model on ATC data?</a:t>
+            </a:r>
+            <a:endParaRPr lang="nl-NL" sz="2000" dirty="0">
+              <a:latin typeface="Open Sans"/>
+              <a:ea typeface="+mn-ea"/>
+              <a:cs typeface="+mn-cs"/>
+            </a:endParaRPr>
+          </a:p>
+        </p:txBody>
+      </p:sp>
+      <p:sp>
+        <p:nvSpPr>
+          <p:cNvPr id="4" name="Slide Number Placeholder 3">
+            <a:extLst>
+              <a:ext uri="{FF2B5EF4-FFF2-40B4-BE49-F238E27FC236}">
+                <a16:creationId xmlns:a16="http://schemas.microsoft.com/office/drawing/2014/main" id="{975F8A64-218A-FCF6-0E1E-50308D0808BF}"/>
+              </a:ext>
+            </a:extLst>
+          </p:cNvPr>
+          <p:cNvSpPr>
+            <a:spLocks noGrp="1"/>
+          </p:cNvSpPr>
+          <p:nvPr>
+            <p:ph type="sldNum" sz="quarter" idx="12"/>
+          </p:nvPr>
+        </p:nvSpPr>
+        <p:spPr/>
+        <p:txBody>
+          <a:bodyPr/>
+          <a:lstStyle/>
+          <a:p>
+            <a:fld id="{557A3E6A-0FDC-2641-BE73-5835A252D50B}" type="slidenum">
+              <a:rPr lang="nl-NL" smtClean="0"/>
+              <a:t>6</a:t>
+            </a:fld>
+            <a:endParaRPr lang="nl-NL"/>
+          </a:p>
+        </p:txBody>
+      </p:sp>
+    </p:spTree>
+    <p:extLst>
+      <p:ext uri="{BB962C8B-B14F-4D97-AF65-F5344CB8AC3E}">
+        <p14:creationId xmlns:p14="http://schemas.microsoft.com/office/powerpoint/2010/main" val="3662489285"/>
+      </p:ext>
+    </p:extLst>
+  </p:cSld>
+  <p:clrMapOvr>
+    <a:masterClrMapping/>
+  </p:clrMapOvr>
+</p:sld>
+</file>
+
+<file path=ppt/slides/slide7.xml><?xml version="1.0" encoding="utf-8"?>
+<p:sld xmlns:a="http://schemas.openxmlformats.org/drawingml/2006/main" xmlns:r="http://schemas.openxmlformats.org/officeDocument/2006/relationships" xmlns:p="http://schemas.openxmlformats.org/presentationml/2006/main">
+  <p:cSld>
+    <p:spTree>
+      <p:nvGrpSpPr>
+        <p:cNvPr id="1" name=""/>
+        <p:cNvGrpSpPr/>
+        <p:nvPr/>
+      </p:nvGrpSpPr>
+      <p:grpSpPr>
+        <a:xfrm>
+          <a:off x="0" y="0"/>
+          <a:ext cx="0" cy="0"/>
+          <a:chOff x="0" y="0"/>
+          <a:chExt cx="0" cy="0"/>
+        </a:xfrm>
+      </p:grpSpPr>
+      <p:sp>
+        <p:nvSpPr>
+          <p:cNvPr id="2" name="Title 1">
+            <a:extLst>
+              <a:ext uri="{FF2B5EF4-FFF2-40B4-BE49-F238E27FC236}">
+                <a16:creationId xmlns:a16="http://schemas.microsoft.com/office/drawing/2014/main" id="{E2656710-A520-C2CA-3BA9-8B1562F4EBF4}"/>
+              </a:ext>
+            </a:extLst>
+          </p:cNvPr>
+          <p:cNvSpPr>
+            <a:spLocks noGrp="1"/>
+          </p:cNvSpPr>
+          <p:nvPr>
+            <p:ph type="title"/>
+          </p:nvPr>
+        </p:nvSpPr>
+        <p:spPr/>
+        <p:txBody>
+          <a:bodyPr/>
+          <a:lstStyle/>
+          <a:p>
+            <a:r>
+              <a:rPr lang="nl-NL" dirty="0"/>
+              <a:t>Related Work</a:t>
+            </a:r>
+            <a:endParaRPr lang="en-US" dirty="0"/>
+          </a:p>
+        </p:txBody>
+      </p:sp>
+      <p:sp>
+        <p:nvSpPr>
+          <p:cNvPr id="3" name="Content Placeholder 2">
+            <a:extLst>
+              <a:ext uri="{FF2B5EF4-FFF2-40B4-BE49-F238E27FC236}">
+                <a16:creationId xmlns:a16="http://schemas.microsoft.com/office/drawing/2014/main" id="{95889E8C-B29A-4113-CC32-FC5EE6ECBE1D}"/>
+              </a:ext>
+            </a:extLst>
+          </p:cNvPr>
+          <p:cNvSpPr>
+            <a:spLocks noGrp="1"/>
+          </p:cNvSpPr>
+          <p:nvPr>
+            <p:ph idx="1"/>
+          </p:nvPr>
+        </p:nvSpPr>
+        <p:spPr/>
+        <p:txBody>
+          <a:bodyPr>
+            <a:normAutofit/>
+          </a:bodyPr>
+          <a:lstStyle/>
+          <a:p>
+            <a:r>
+              <a:rPr lang="nl-NL" sz="2000" dirty="0"/>
+              <a:t>Fine-tuning on low resource datasets – (</a:t>
+            </a:r>
+            <a:r>
+              <a:rPr lang="en-US" sz="2000" dirty="0"/>
+              <a:t>Yi et al., 2020)</a:t>
+            </a:r>
+            <a:br>
+              <a:rPr lang="en-US" sz="2000" dirty="0"/>
+            </a:br>
+            <a:r>
+              <a:rPr lang="en-US" sz="2000" dirty="0"/>
+              <a:t>Performance is universal over languages (flexible).</a:t>
+            </a:r>
+          </a:p>
+          <a:p>
+            <a:r>
+              <a:rPr lang="en-US" sz="2000" dirty="0"/>
+              <a:t>Domain-specific Wav2Vec2</a:t>
+            </a:r>
+            <a:br>
+              <a:rPr lang="en-US" sz="2000" dirty="0"/>
+            </a:br>
+            <a:r>
+              <a:rPr lang="en-US" sz="2000" dirty="0"/>
+              <a:t>Feasibility of real-time ASR for ATC (</a:t>
+            </a:r>
+            <a:r>
+              <a:rPr lang="en-US" sz="2000" dirty="0" err="1"/>
+              <a:t>Zuluaga</a:t>
+            </a:r>
+            <a:r>
+              <a:rPr lang="en-US" sz="2000" dirty="0"/>
+              <a:t>-Gomez et al., 2022)</a:t>
+            </a:r>
+            <a:br>
+              <a:rPr lang="en-US" sz="2000" dirty="0"/>
+            </a:br>
+            <a:r>
+              <a:rPr lang="en-US" sz="2000" dirty="0"/>
+              <a:t>WER Reduction (WERR)</a:t>
+            </a:r>
+          </a:p>
+          <a:p>
+            <a:r>
+              <a:rPr lang="en-US" sz="2000" dirty="0"/>
+              <a:t>Accents in XLS-R - (Babu et al., 2021)</a:t>
+            </a:r>
+            <a:br>
+              <a:rPr lang="en-US" sz="2000" dirty="0"/>
+            </a:br>
+            <a:br>
+              <a:rPr lang="en-US" sz="2000" dirty="0"/>
+            </a:br>
+            <a:br>
+              <a:rPr lang="en-US" sz="2000" dirty="0"/>
+            </a:br>
+            <a:endParaRPr lang="en-US" sz="2000" dirty="0"/>
+          </a:p>
+        </p:txBody>
+      </p:sp>
+      <p:sp>
+        <p:nvSpPr>
+          <p:cNvPr id="4" name="Slide Number Placeholder 3">
+            <a:extLst>
+              <a:ext uri="{FF2B5EF4-FFF2-40B4-BE49-F238E27FC236}">
+                <a16:creationId xmlns:a16="http://schemas.microsoft.com/office/drawing/2014/main" id="{07DD0B38-D143-4A81-E5F8-987B8C9537D6}"/>
+              </a:ext>
+            </a:extLst>
+          </p:cNvPr>
+          <p:cNvSpPr>
+            <a:spLocks noGrp="1"/>
+          </p:cNvSpPr>
+          <p:nvPr>
+            <p:ph type="sldNum" sz="quarter" idx="12"/>
+          </p:nvPr>
+        </p:nvSpPr>
+        <p:spPr/>
+        <p:txBody>
+          <a:bodyPr/>
+          <a:lstStyle/>
+          <a:p>
+            <a:fld id="{557A3E6A-0FDC-2641-BE73-5835A252D50B}" type="slidenum">
+              <a:rPr lang="nl-NL" smtClean="0"/>
+              <a:t>7</a:t>
+            </a:fld>
+            <a:endParaRPr lang="nl-NL"/>
+          </a:p>
+        </p:txBody>
+      </p:sp>
+    </p:spTree>
+    <p:extLst>
+      <p:ext uri="{BB962C8B-B14F-4D97-AF65-F5344CB8AC3E}">
+        <p14:creationId xmlns:p14="http://schemas.microsoft.com/office/powerpoint/2010/main" val="2840695955"/>
+      </p:ext>
+    </p:extLst>
+  </p:cSld>
+  <p:clrMapOvr>
+    <a:masterClrMapping/>
+  </p:clrMapOvr>
+</p:sld>
+</file>
+
+<file path=ppt/slides/slide8.xml><?xml version="1.0" encoding="utf-8"?>
+<p:sld xmlns:a="http://schemas.openxmlformats.org/drawingml/2006/main" xmlns:r="http://schemas.openxmlformats.org/officeDocument/2006/relationships" xmlns:p="http://schemas.openxmlformats.org/presentationml/2006/main">
+  <p:cSld>
+    <p:spTree>
+      <p:nvGrpSpPr>
+        <p:cNvPr id="1" name=""/>
+        <p:cNvGrpSpPr/>
+        <p:nvPr/>
+      </p:nvGrpSpPr>
+      <p:grpSpPr>
+        <a:xfrm>
+          <a:off x="0" y="0"/>
+          <a:ext cx="0" cy="0"/>
+          <a:chOff x="0" y="0"/>
+          <a:chExt cx="0" cy="0"/>
+        </a:xfrm>
+      </p:grpSpPr>
+      <p:sp>
+        <p:nvSpPr>
+          <p:cNvPr id="2" name="Title 1">
+            <a:extLst>
+              <a:ext uri="{FF2B5EF4-FFF2-40B4-BE49-F238E27FC236}">
+                <a16:creationId xmlns:a16="http://schemas.microsoft.com/office/drawing/2014/main" id="{E2656710-A520-C2CA-3BA9-8B1562F4EBF4}"/>
+              </a:ext>
+            </a:extLst>
+          </p:cNvPr>
+          <p:cNvSpPr>
+            <a:spLocks noGrp="1"/>
+          </p:cNvSpPr>
+          <p:nvPr>
+            <p:ph type="title"/>
+          </p:nvPr>
+        </p:nvSpPr>
+        <p:spPr/>
+        <p:txBody>
+          <a:bodyPr/>
+          <a:lstStyle/>
+          <a:p>
+            <a:r>
+              <a:rPr lang="nl-NL" dirty="0"/>
+              <a:t>Methods</a:t>
+            </a:r>
+            <a:endParaRPr lang="en-US" dirty="0"/>
+          </a:p>
+        </p:txBody>
+      </p:sp>
+      <p:sp>
+        <p:nvSpPr>
+          <p:cNvPr id="3" name="Content Placeholder 2">
+            <a:extLst>
+              <a:ext uri="{FF2B5EF4-FFF2-40B4-BE49-F238E27FC236}">
+                <a16:creationId xmlns:a16="http://schemas.microsoft.com/office/drawing/2014/main" id="{95889E8C-B29A-4113-CC32-FC5EE6ECBE1D}"/>
+              </a:ext>
+            </a:extLst>
+          </p:cNvPr>
+          <p:cNvSpPr>
+            <a:spLocks noGrp="1"/>
+          </p:cNvSpPr>
+          <p:nvPr>
+            <p:ph idx="1"/>
+          </p:nvPr>
+        </p:nvSpPr>
+        <p:spPr>
+          <a:xfrm>
+            <a:off x="628650" y="1825625"/>
+            <a:ext cx="4088130" cy="4217036"/>
+          </a:xfrm>
+        </p:spPr>
+        <p:txBody>
+          <a:bodyPr>
+            <a:normAutofit/>
+          </a:bodyPr>
+          <a:lstStyle/>
+          <a:p>
+            <a:r>
+              <a:rPr lang="nl-NL" sz="2000" dirty="0"/>
+              <a:t>HuggingFace  </a:t>
+            </a:r>
+          </a:p>
+          <a:p>
+            <a:pPr lvl="1"/>
+            <a:r>
+              <a:rPr lang="nl-NL" sz="1600" dirty="0"/>
+              <a:t>SOTA models </a:t>
+            </a:r>
+          </a:p>
+          <a:p>
+            <a:pPr lvl="1"/>
+            <a:r>
+              <a:rPr lang="nl-NL" sz="1600" dirty="0"/>
+              <a:t>Accessibility</a:t>
+            </a:r>
+          </a:p>
+          <a:p>
+            <a:r>
+              <a:rPr lang="nl-NL" sz="2000" dirty="0"/>
+              <a:t>Development</a:t>
+            </a:r>
+          </a:p>
+          <a:p>
+            <a:pPr lvl="1"/>
+            <a:r>
+              <a:rPr lang="nl-NL" sz="1600" dirty="0"/>
+              <a:t>Google Colab </a:t>
+            </a:r>
+          </a:p>
+          <a:p>
+            <a:pPr lvl="1"/>
+            <a:r>
+              <a:rPr lang="nl-NL" sz="1600" dirty="0"/>
+              <a:t>Limited resources</a:t>
+            </a:r>
+          </a:p>
+          <a:p>
+            <a:pPr lvl="1"/>
+            <a:r>
+              <a:rPr lang="nl-NL" sz="1600" dirty="0"/>
+              <a:t>Local</a:t>
+            </a:r>
+          </a:p>
+          <a:p>
+            <a:r>
+              <a:rPr lang="nl-NL" sz="2000" dirty="0"/>
+              <a:t>Evaluation</a:t>
+            </a:r>
+          </a:p>
+          <a:p>
+            <a:pPr lvl="1"/>
+            <a:r>
+              <a:rPr lang="nl-NL" sz="1600" dirty="0"/>
+              <a:t>WER and Character Error Rate (CER) – not Glue or Bleu</a:t>
+            </a:r>
+          </a:p>
+          <a:p>
+            <a:pPr lvl="1"/>
+            <a:r>
+              <a:rPr lang="en-US" sz="1600" dirty="0"/>
+              <a:t>Evaluation </a:t>
+            </a:r>
+            <a:r>
+              <a:rPr lang="en-US" sz="1600" dirty="0">
+                <a:sym typeface="Wingdings" panose="05000000000000000000" pitchFamily="2" charset="2"/>
+              </a:rPr>
+              <a:t></a:t>
+            </a:r>
+            <a:r>
+              <a:rPr lang="en-US" sz="1600" dirty="0"/>
+              <a:t> fine-tuning </a:t>
+            </a:r>
+            <a:r>
+              <a:rPr lang="en-US" sz="1600" dirty="0">
+                <a:sym typeface="Wingdings" panose="05000000000000000000" pitchFamily="2" charset="2"/>
+              </a:rPr>
+              <a:t></a:t>
+            </a:r>
+            <a:r>
+              <a:rPr lang="en-US" sz="1600" dirty="0"/>
+              <a:t> evaluation </a:t>
+            </a:r>
+            <a:r>
+              <a:rPr lang="en-US" sz="1600" dirty="0">
+                <a:sym typeface="Wingdings" panose="05000000000000000000" pitchFamily="2" charset="2"/>
+              </a:rPr>
+              <a:t> LM  evaluation</a:t>
+            </a:r>
+            <a:endParaRPr lang="nl-NL" sz="1600" dirty="0"/>
+          </a:p>
+          <a:p>
+            <a:pPr marL="0" indent="0">
+              <a:buNone/>
+            </a:pPr>
+            <a:endParaRPr lang="nl-NL" dirty="0"/>
+          </a:p>
+        </p:txBody>
+      </p:sp>
+      <p:sp>
+        <p:nvSpPr>
+          <p:cNvPr id="4" name="Slide Number Placeholder 3">
+            <a:extLst>
+              <a:ext uri="{FF2B5EF4-FFF2-40B4-BE49-F238E27FC236}">
+                <a16:creationId xmlns:a16="http://schemas.microsoft.com/office/drawing/2014/main" id="{07DD0B38-D143-4A81-E5F8-987B8C9537D6}"/>
+              </a:ext>
+            </a:extLst>
+          </p:cNvPr>
+          <p:cNvSpPr>
+            <a:spLocks noGrp="1"/>
+          </p:cNvSpPr>
+          <p:nvPr>
+            <p:ph type="sldNum" sz="quarter" idx="12"/>
+          </p:nvPr>
+        </p:nvSpPr>
+        <p:spPr/>
+        <p:txBody>
+          <a:bodyPr/>
+          <a:lstStyle/>
+          <a:p>
+            <a:fld id="{557A3E6A-0FDC-2641-BE73-5835A252D50B}" type="slidenum">
+              <a:rPr lang="nl-NL" smtClean="0"/>
+              <a:t>8</a:t>
+            </a:fld>
+            <a:endParaRPr lang="nl-NL"/>
+          </a:p>
+        </p:txBody>
+      </p:sp>
+      <p:sp>
+        <p:nvSpPr>
+          <p:cNvPr id="5" name="Content Placeholder 2">
+            <a:extLst>
+              <a:ext uri="{FF2B5EF4-FFF2-40B4-BE49-F238E27FC236}">
+                <a16:creationId xmlns:a16="http://schemas.microsoft.com/office/drawing/2014/main" id="{66183AA0-CDE2-9612-7C7E-0B1E164CB99A}"/>
+              </a:ext>
+            </a:extLst>
+          </p:cNvPr>
+          <p:cNvSpPr txBox="1">
+            <a:spLocks/>
+          </p:cNvSpPr>
+          <p:nvPr/>
+        </p:nvSpPr>
+        <p:spPr>
+          <a:xfrm>
+            <a:off x="4819650" y="1825625"/>
+            <a:ext cx="3592830" cy="2426335"/>
+          </a:xfrm>
+          <a:prstGeom prst="rect">
+            <a:avLst/>
+          </a:prstGeom>
+        </p:spPr>
+        <p:txBody>
+          <a:bodyPr vert="horz" lIns="91440" tIns="45720" rIns="91440" bIns="45720" rtlCol="0">
+            <a:normAutofit/>
+          </a:bodyPr>
+          <a:lstStyle>
+            <a:lvl1pPr marL="228600" indent="-228600" algn="l" defTabSz="914400" rtl="0" eaLnBrk="1" latinLnBrk="0" hangingPunct="1">
+              <a:lnSpc>
+                <a:spcPct val="90000"/>
+              </a:lnSpc>
+              <a:spcBef>
+                <a:spcPts val="1000"/>
+              </a:spcBef>
+              <a:buFont typeface="Arial" panose="020B0604020202020204" pitchFamily="34" charset="0"/>
+              <a:buChar char="•"/>
+              <a:defRPr sz="2800" kern="1200">
+                <a:solidFill>
+                  <a:schemeClr val="tx1"/>
+                </a:solidFill>
+                <a:latin typeface="Open Sans" panose="020B0606030504020204" pitchFamily="34" charset="0"/>
+                <a:ea typeface="Open Sans" panose="020B0606030504020204" pitchFamily="34" charset="0"/>
+                <a:cs typeface="Open Sans" panose="020B0606030504020204" pitchFamily="34" charset="0"/>
+              </a:defRPr>
+            </a:lvl1pPr>
+            <a:lvl2pPr marL="685800" indent="-228600" algn="l" defTabSz="914400" rtl="0" eaLnBrk="1" latinLnBrk="0" hangingPunct="1">
+              <a:lnSpc>
+                <a:spcPct val="90000"/>
+              </a:lnSpc>
+              <a:spcBef>
+                <a:spcPts val="500"/>
+              </a:spcBef>
+              <a:buFont typeface="Arial" panose="020B0604020202020204" pitchFamily="34" charset="0"/>
+              <a:buChar char="•"/>
+              <a:defRPr sz="2400" kern="1200">
+                <a:solidFill>
+                  <a:schemeClr val="tx1"/>
+                </a:solidFill>
+                <a:latin typeface="Open Sans" panose="020B0606030504020204" pitchFamily="34" charset="0"/>
+                <a:ea typeface="Open Sans" panose="020B0606030504020204" pitchFamily="34" charset="0"/>
+                <a:cs typeface="Open Sans" panose="020B0606030504020204" pitchFamily="34" charset="0"/>
+              </a:defRPr>
+            </a:lvl2pPr>
+            <a:lvl3pPr marL="1143000" indent="-228600" algn="l" defTabSz="914400" rtl="0" eaLnBrk="1" latinLnBrk="0" hangingPunct="1">
+              <a:lnSpc>
+                <a:spcPct val="90000"/>
+              </a:lnSpc>
+              <a:spcBef>
+                <a:spcPts val="500"/>
+              </a:spcBef>
+              <a:buFont typeface="Arial" panose="020B0604020202020204" pitchFamily="34" charset="0"/>
+              <a:buChar char="•"/>
+              <a:defRPr sz="2000" kern="1200">
+                <a:solidFill>
+                  <a:schemeClr val="tx1"/>
+                </a:solidFill>
+                <a:latin typeface="Open Sans" panose="020B0606030504020204" pitchFamily="34" charset="0"/>
+                <a:ea typeface="Open Sans" panose="020B0606030504020204" pitchFamily="34" charset="0"/>
+                <a:cs typeface="Open Sans" panose="020B0606030504020204" pitchFamily="34" charset="0"/>
+              </a:defRPr>
+            </a:lvl3pPr>
+            <a:lvl4pPr marL="1600200" indent="-228600" algn="l" defTabSz="914400" rtl="0" eaLnBrk="1" latinLnBrk="0" hangingPunct="1">
+              <a:lnSpc>
+                <a:spcPct val="90000"/>
+              </a:lnSpc>
+              <a:spcBef>
+                <a:spcPts val="500"/>
+              </a:spcBef>
+              <a:buFont typeface="Arial" panose="020B0604020202020204" pitchFamily="34" charset="0"/>
+              <a:buChar char="•"/>
+              <a:defRPr sz="1800" kern="1200">
+                <a:solidFill>
+                  <a:schemeClr val="tx1"/>
+                </a:solidFill>
+                <a:latin typeface="Open Sans" panose="020B0606030504020204" pitchFamily="34" charset="0"/>
+                <a:ea typeface="Open Sans" panose="020B0606030504020204" pitchFamily="34" charset="0"/>
+                <a:cs typeface="Open Sans" panose="020B0606030504020204" pitchFamily="34" charset="0"/>
+              </a:defRPr>
+            </a:lvl4pPr>
+            <a:lvl5pPr marL="2057400" indent="-228600" algn="l" defTabSz="914400" rtl="0" eaLnBrk="1" latinLnBrk="0" hangingPunct="1">
+              <a:lnSpc>
+                <a:spcPct val="90000"/>
+              </a:lnSpc>
+              <a:spcBef>
+                <a:spcPts val="500"/>
+              </a:spcBef>
+              <a:buFont typeface="Arial" panose="020B0604020202020204" pitchFamily="34" charset="0"/>
+              <a:buChar char="•"/>
+              <a:defRPr sz="1800" kern="1200">
+                <a:solidFill>
+                  <a:schemeClr val="tx1"/>
+                </a:solidFill>
+                <a:latin typeface="Open Sans" panose="020B0606030504020204" pitchFamily="34" charset="0"/>
+                <a:ea typeface="Open Sans" panose="020B0606030504020204" pitchFamily="34" charset="0"/>
+                <a:cs typeface="Open Sans" panose="020B0606030504020204" pitchFamily="34" charset="0"/>
+              </a:defRPr>
+            </a:lvl5pPr>
+            <a:lvl6pPr marL="2514600" indent="-228600" algn="l" defTabSz="914400" rtl="0" eaLnBrk="1" latinLnBrk="0" hangingPunct="1">
+              <a:lnSpc>
+                <a:spcPct val="90000"/>
+              </a:lnSpc>
+              <a:spcBef>
+                <a:spcPts val="500"/>
+              </a:spcBef>
+              <a:buFont typeface="Arial" panose="020B0604020202020204" pitchFamily="34" charset="0"/>
+              <a:buChar char="•"/>
+              <a:defRPr sz="1800" kern="1200">
+                <a:solidFill>
+                  <a:schemeClr val="tx1"/>
+                </a:solidFill>
+                <a:latin typeface="+mn-lt"/>
+                <a:ea typeface="+mn-ea"/>
+                <a:cs typeface="+mn-cs"/>
+              </a:defRPr>
+            </a:lvl6pPr>
+            <a:lvl7pPr marL="2971800" indent="-228600" algn="l" defTabSz="914400" rtl="0" eaLnBrk="1" latinLnBrk="0" hangingPunct="1">
+              <a:lnSpc>
+                <a:spcPct val="90000"/>
+              </a:lnSpc>
+              <a:spcBef>
+                <a:spcPts val="500"/>
+              </a:spcBef>
+              <a:buFont typeface="Arial" panose="020B0604020202020204" pitchFamily="34" charset="0"/>
+              <a:buChar char="•"/>
+              <a:defRPr sz="1800" kern="1200">
+                <a:solidFill>
+                  <a:schemeClr val="tx1"/>
+                </a:solidFill>
+                <a:latin typeface="+mn-lt"/>
+                <a:ea typeface="+mn-ea"/>
+                <a:cs typeface="+mn-cs"/>
+              </a:defRPr>
+            </a:lvl7pPr>
+            <a:lvl8pPr marL="3429000" indent="-228600" algn="l" defTabSz="914400" rtl="0" eaLnBrk="1" latinLnBrk="0" hangingPunct="1">
+              <a:lnSpc>
+                <a:spcPct val="90000"/>
+              </a:lnSpc>
+              <a:spcBef>
+                <a:spcPts val="500"/>
+              </a:spcBef>
+              <a:buFont typeface="Arial" panose="020B0604020202020204" pitchFamily="34" charset="0"/>
+              <a:buChar char="•"/>
+              <a:defRPr sz="1800" kern="1200">
+                <a:solidFill>
+                  <a:schemeClr val="tx1"/>
+                </a:solidFill>
+                <a:latin typeface="+mn-lt"/>
+                <a:ea typeface="+mn-ea"/>
+                <a:cs typeface="+mn-cs"/>
+              </a:defRPr>
+            </a:lvl8pPr>
+            <a:lvl9pPr marL="3886200" indent="-228600" algn="l" defTabSz="914400" rtl="0" eaLnBrk="1" latinLnBrk="0" hangingPunct="1">
+              <a:lnSpc>
+                <a:spcPct val="90000"/>
+              </a:lnSpc>
+              <a:spcBef>
+                <a:spcPts val="500"/>
+              </a:spcBef>
+              <a:buFont typeface="Arial" panose="020B0604020202020204" pitchFamily="34" charset="0"/>
+              <a:buChar char="•"/>
+              <a:defRPr sz="1800" kern="1200">
+                <a:solidFill>
+                  <a:schemeClr val="tx1"/>
+                </a:solidFill>
+                <a:latin typeface="+mn-lt"/>
+                <a:ea typeface="+mn-ea"/>
+                <a:cs typeface="+mn-cs"/>
+              </a:defRPr>
+            </a:lvl9pPr>
+          </a:lstStyle>
+          <a:p>
+            <a:r>
+              <a:rPr lang="nl-NL" sz="2000" dirty="0"/>
+              <a:t>Language model</a:t>
+            </a:r>
+          </a:p>
+          <a:p>
+            <a:pPr lvl="1"/>
+            <a:r>
+              <a:rPr lang="nl-NL" sz="1600" dirty="0"/>
+              <a:t>5-gram ARPA file </a:t>
+            </a:r>
+          </a:p>
+          <a:p>
+            <a:pPr lvl="1"/>
+            <a:r>
+              <a:rPr lang="nl-NL" sz="1600" dirty="0"/>
+              <a:t>Only 743 unigrams</a:t>
+            </a:r>
+          </a:p>
+          <a:p>
+            <a:pPr lvl="1"/>
+            <a:r>
+              <a:rPr lang="nl-NL" sz="1600" dirty="0"/>
+              <a:t>Variable LMs out of scope</a:t>
+            </a:r>
+          </a:p>
+          <a:p>
+            <a:r>
+              <a:rPr lang="nl-NL" sz="2000" dirty="0"/>
+              <a:t>Fine-tuning</a:t>
+            </a:r>
+          </a:p>
+          <a:p>
+            <a:pPr lvl="1"/>
+            <a:r>
+              <a:rPr lang="nl-NL" sz="1600" dirty="0"/>
+              <a:t>No hyperparameter tuning</a:t>
+            </a:r>
+          </a:p>
+          <a:p>
+            <a:pPr lvl="1"/>
+            <a:r>
+              <a:rPr lang="nl-NL" sz="1600" dirty="0"/>
+              <a:t>Low-medium-high ranges of training data</a:t>
+            </a:r>
+          </a:p>
+          <a:p>
+            <a:pPr lvl="1"/>
+            <a:endParaRPr lang="nl-NL" sz="1600" dirty="0"/>
+          </a:p>
+        </p:txBody>
+      </p:sp>
+      <p:pic>
+        <p:nvPicPr>
+          <p:cNvPr id="7" name="Picture 6">
+            <a:extLst>
+              <a:ext uri="{FF2B5EF4-FFF2-40B4-BE49-F238E27FC236}">
+                <a16:creationId xmlns:a16="http://schemas.microsoft.com/office/drawing/2014/main" id="{7E6BFAAB-E9E0-9A7C-8D47-FA6A376249C6}"/>
+              </a:ext>
+            </a:extLst>
+          </p:cNvPr>
+          <p:cNvPicPr>
+            <a:picLocks noChangeAspect="1"/>
+          </p:cNvPicPr>
+          <p:nvPr/>
+        </p:nvPicPr>
+        <p:blipFill>
+          <a:blip r:embed="rId2"/>
+          <a:stretch>
+            <a:fillRect/>
+          </a:stretch>
+        </p:blipFill>
+        <p:spPr>
+          <a:xfrm>
+            <a:off x="5373686" y="4285563"/>
+            <a:ext cx="2484758" cy="1530247"/>
+          </a:xfrm>
+          <a:prstGeom prst="rect">
+            <a:avLst/>
+          </a:prstGeom>
+        </p:spPr>
+      </p:pic>
+    </p:spTree>
+    <p:extLst>
+      <p:ext uri="{BB962C8B-B14F-4D97-AF65-F5344CB8AC3E}">
+        <p14:creationId xmlns:p14="http://schemas.microsoft.com/office/powerpoint/2010/main" val="1044624200"/>
+      </p:ext>
+    </p:extLst>
+  </p:cSld>
+  <p:clrMapOvr>
+    <a:masterClrMapping/>
+  </p:clrMapOvr>
+</p:sld>
+</file>
+
+<file path=ppt/slides/slide9.xml><?xml version="1.0" encoding="utf-8"?>
+<p:sld xmlns:a="http://schemas.openxmlformats.org/drawingml/2006/main" xmlns:r="http://schemas.openxmlformats.org/officeDocument/2006/relationships" xmlns:p="http://schemas.openxmlformats.org/presentationml/2006/main">
+  <p:cSld>
+    <p:spTree>
+      <p:nvGrpSpPr>
+        <p:cNvPr id="1" name=""/>
+        <p:cNvGrpSpPr/>
+        <p:nvPr/>
+      </p:nvGrpSpPr>
+      <p:grpSpPr>
+        <a:xfrm>
+          <a:off x="0" y="0"/>
+          <a:ext cx="0" cy="0"/>
+          <a:chOff x="0" y="0"/>
+          <a:chExt cx="0" cy="0"/>
+        </a:xfrm>
+      </p:grpSpPr>
+      <p:sp>
+        <p:nvSpPr>
+          <p:cNvPr id="4" name="Slide Number Placeholder 3">
+            <a:extLst>
+              <a:ext uri="{FF2B5EF4-FFF2-40B4-BE49-F238E27FC236}">
+                <a16:creationId xmlns:a16="http://schemas.microsoft.com/office/drawing/2014/main" id="{DCE27364-A1E5-DB45-DCAB-1E356E918F16}"/>
+              </a:ext>
+            </a:extLst>
+          </p:cNvPr>
+          <p:cNvSpPr>
+            <a:spLocks noGrp="1"/>
+          </p:cNvSpPr>
+          <p:nvPr>
+            <p:ph type="sldNum" sz="quarter" idx="12"/>
+          </p:nvPr>
+        </p:nvSpPr>
+        <p:spPr/>
+        <p:txBody>
+          <a:bodyPr/>
+          <a:lstStyle/>
+          <a:p>
+            <a:fld id="{557A3E6A-0FDC-2641-BE73-5835A252D50B}" type="slidenum">
+              <a:rPr lang="nl-NL" smtClean="0"/>
+              <a:t>9</a:t>
+            </a:fld>
+            <a:endParaRPr lang="nl-NL"/>
+          </a:p>
+        </p:txBody>
+      </p:sp>
+      <p:sp>
+        <p:nvSpPr>
+          <p:cNvPr id="7" name="Content Placeholder 2">
+            <a:extLst>
+              <a:ext uri="{FF2B5EF4-FFF2-40B4-BE49-F238E27FC236}">
+                <a16:creationId xmlns:a16="http://schemas.microsoft.com/office/drawing/2014/main" id="{135ABADF-0638-3114-9C07-09DF6EFEA8CD}"/>
+              </a:ext>
+            </a:extLst>
+          </p:cNvPr>
+          <p:cNvSpPr txBox="1">
+            <a:spLocks/>
+          </p:cNvSpPr>
+          <p:nvPr/>
+        </p:nvSpPr>
+        <p:spPr>
+          <a:xfrm>
+            <a:off x="628649" y="620554"/>
+            <a:ext cx="8058150" cy="5616892"/>
+          </a:xfrm>
+          <a:prstGeom prst="rect">
+            <a:avLst/>
+          </a:prstGeom>
+        </p:spPr>
+        <p:txBody>
+          <a:bodyPr vert="horz" lIns="91440" tIns="45720" rIns="91440" bIns="45720" rtlCol="0">
+            <a:noAutofit/>
+          </a:bodyPr>
+          <a:lstStyle>
+            <a:lvl1pPr marL="228600" indent="-228600" algn="l" defTabSz="914400" rtl="0" eaLnBrk="1" latinLnBrk="0" hangingPunct="1">
+              <a:lnSpc>
+                <a:spcPct val="90000"/>
+              </a:lnSpc>
+              <a:spcBef>
+                <a:spcPts val="1000"/>
+              </a:spcBef>
+              <a:buFont typeface="Arial" panose="020B0604020202020204" pitchFamily="34" charset="0"/>
+              <a:buChar char="•"/>
+              <a:defRPr sz="2800" kern="1200">
+                <a:solidFill>
+                  <a:schemeClr val="tx1"/>
+                </a:solidFill>
+                <a:latin typeface="Open Sans" panose="020B0606030504020204" pitchFamily="34" charset="0"/>
+                <a:ea typeface="Open Sans" panose="020B0606030504020204" pitchFamily="34" charset="0"/>
+                <a:cs typeface="Open Sans" panose="020B0606030504020204" pitchFamily="34" charset="0"/>
+              </a:defRPr>
+            </a:lvl1pPr>
+            <a:lvl2pPr marL="685800" indent="-228600" algn="l" defTabSz="914400" rtl="0" eaLnBrk="1" latinLnBrk="0" hangingPunct="1">
+              <a:lnSpc>
+                <a:spcPct val="90000"/>
+              </a:lnSpc>
+              <a:spcBef>
+                <a:spcPts val="500"/>
+              </a:spcBef>
+              <a:buFont typeface="Arial" panose="020B0604020202020204" pitchFamily="34" charset="0"/>
+              <a:buChar char="•"/>
+              <a:defRPr sz="2400" kern="1200">
+                <a:solidFill>
+                  <a:schemeClr val="tx1"/>
+                </a:solidFill>
+                <a:latin typeface="Open Sans" panose="020B0606030504020204" pitchFamily="34" charset="0"/>
+                <a:ea typeface="Open Sans" panose="020B0606030504020204" pitchFamily="34" charset="0"/>
+                <a:cs typeface="Open Sans" panose="020B0606030504020204" pitchFamily="34" charset="0"/>
+              </a:defRPr>
+            </a:lvl2pPr>
+            <a:lvl3pPr marL="1143000" indent="-228600" algn="l" defTabSz="914400" rtl="0" eaLnBrk="1" latinLnBrk="0" hangingPunct="1">
+              <a:lnSpc>
+                <a:spcPct val="90000"/>
+              </a:lnSpc>
+              <a:spcBef>
+                <a:spcPts val="500"/>
+              </a:spcBef>
+              <a:buFont typeface="Arial" panose="020B0604020202020204" pitchFamily="34" charset="0"/>
+              <a:buChar char="•"/>
+              <a:defRPr sz="2000" kern="1200">
+                <a:solidFill>
+                  <a:schemeClr val="tx1"/>
+                </a:solidFill>
+                <a:latin typeface="Open Sans" panose="020B0606030504020204" pitchFamily="34" charset="0"/>
+                <a:ea typeface="Open Sans" panose="020B0606030504020204" pitchFamily="34" charset="0"/>
+                <a:cs typeface="Open Sans" panose="020B0606030504020204" pitchFamily="34" charset="0"/>
+              </a:defRPr>
+            </a:lvl3pPr>
+            <a:lvl4pPr marL="1600200" indent="-228600" algn="l" defTabSz="914400" rtl="0" eaLnBrk="1" latinLnBrk="0" hangingPunct="1">
+              <a:lnSpc>
+                <a:spcPct val="90000"/>
+              </a:lnSpc>
+              <a:spcBef>
+                <a:spcPts val="500"/>
+              </a:spcBef>
+              <a:buFont typeface="Arial" panose="020B0604020202020204" pitchFamily="34" charset="0"/>
+              <a:buChar char="•"/>
+              <a:defRPr sz="1800" kern="1200">
+                <a:solidFill>
+                  <a:schemeClr val="tx1"/>
+                </a:solidFill>
+                <a:latin typeface="Open Sans" panose="020B0606030504020204" pitchFamily="34" charset="0"/>
+                <a:ea typeface="Open Sans" panose="020B0606030504020204" pitchFamily="34" charset="0"/>
+                <a:cs typeface="Open Sans" panose="020B0606030504020204" pitchFamily="34" charset="0"/>
+              </a:defRPr>
+            </a:lvl4pPr>
+            <a:lvl5pPr marL="2057400" indent="-228600" algn="l" defTabSz="914400" rtl="0" eaLnBrk="1" latinLnBrk="0" hangingPunct="1">
+              <a:lnSpc>
+                <a:spcPct val="90000"/>
+              </a:lnSpc>
+              <a:spcBef>
+                <a:spcPts val="500"/>
+              </a:spcBef>
+              <a:buFont typeface="Arial" panose="020B0604020202020204" pitchFamily="34" charset="0"/>
+              <a:buChar char="•"/>
+              <a:defRPr sz="1800" kern="1200">
+                <a:solidFill>
+                  <a:schemeClr val="tx1"/>
+                </a:solidFill>
+                <a:latin typeface="Open Sans" panose="020B0606030504020204" pitchFamily="34" charset="0"/>
+                <a:ea typeface="Open Sans" panose="020B0606030504020204" pitchFamily="34" charset="0"/>
+                <a:cs typeface="Open Sans" panose="020B0606030504020204" pitchFamily="34" charset="0"/>
+              </a:defRPr>
+            </a:lvl5pPr>
+            <a:lvl6pPr marL="2514600" indent="-228600" algn="l" defTabSz="914400" rtl="0" eaLnBrk="1" latinLnBrk="0" hangingPunct="1">
+              <a:lnSpc>
+                <a:spcPct val="90000"/>
+              </a:lnSpc>
+              <a:spcBef>
+                <a:spcPts val="500"/>
+              </a:spcBef>
+              <a:buFont typeface="Arial" panose="020B0604020202020204" pitchFamily="34" charset="0"/>
+              <a:buChar char="•"/>
+              <a:defRPr sz="1800" kern="1200">
+                <a:solidFill>
+                  <a:schemeClr val="tx1"/>
+                </a:solidFill>
+                <a:latin typeface="+mn-lt"/>
+                <a:ea typeface="+mn-ea"/>
+                <a:cs typeface="+mn-cs"/>
+              </a:defRPr>
+            </a:lvl6pPr>
+            <a:lvl7pPr marL="2971800" indent="-228600" algn="l" defTabSz="914400" rtl="0" eaLnBrk="1" latinLnBrk="0" hangingPunct="1">
+              <a:lnSpc>
+                <a:spcPct val="90000"/>
+              </a:lnSpc>
+              <a:spcBef>
+                <a:spcPts val="500"/>
+              </a:spcBef>
+              <a:buFont typeface="Arial" panose="020B0604020202020204" pitchFamily="34" charset="0"/>
+              <a:buChar char="•"/>
+              <a:defRPr sz="1800" kern="1200">
+                <a:solidFill>
+                  <a:schemeClr val="tx1"/>
+                </a:solidFill>
+                <a:latin typeface="+mn-lt"/>
+                <a:ea typeface="+mn-ea"/>
+                <a:cs typeface="+mn-cs"/>
+              </a:defRPr>
+            </a:lvl7pPr>
+            <a:lvl8pPr marL="3429000" indent="-228600" algn="l" defTabSz="914400" rtl="0" eaLnBrk="1" latinLnBrk="0" hangingPunct="1">
+              <a:lnSpc>
+                <a:spcPct val="90000"/>
+              </a:lnSpc>
+              <a:spcBef>
+                <a:spcPts val="500"/>
+              </a:spcBef>
+              <a:buFont typeface="Arial" panose="020B0604020202020204" pitchFamily="34" charset="0"/>
+              <a:buChar char="•"/>
+              <a:defRPr sz="1800" kern="1200">
+                <a:solidFill>
+                  <a:schemeClr val="tx1"/>
+                </a:solidFill>
+                <a:latin typeface="+mn-lt"/>
+                <a:ea typeface="+mn-ea"/>
+                <a:cs typeface="+mn-cs"/>
+              </a:defRPr>
+            </a:lvl8pPr>
+            <a:lvl9pPr marL="3886200" indent="-228600" algn="l" defTabSz="914400" rtl="0" eaLnBrk="1" latinLnBrk="0" hangingPunct="1">
+              <a:lnSpc>
+                <a:spcPct val="90000"/>
+              </a:lnSpc>
+              <a:spcBef>
+                <a:spcPts val="500"/>
+              </a:spcBef>
+              <a:buFont typeface="Arial" panose="020B0604020202020204" pitchFamily="34" charset="0"/>
+              <a:buChar char="•"/>
+              <a:defRPr sz="1800" kern="1200">
+                <a:solidFill>
+                  <a:schemeClr val="tx1"/>
+                </a:solidFill>
+                <a:latin typeface="+mn-lt"/>
+                <a:ea typeface="+mn-ea"/>
+                <a:cs typeface="+mn-cs"/>
+              </a:defRPr>
+            </a:lvl9pPr>
+          </a:lstStyle>
+          <a:p>
+            <a:pPr marL="0" indent="0">
+              <a:buNone/>
+            </a:pPr>
+            <a:r>
+              <a:rPr lang="nl-NL" sz="2400" dirty="0">
+                <a:latin typeface="+mn-lt"/>
+              </a:rPr>
+              <a:t>Models</a:t>
+            </a:r>
+          </a:p>
+          <a:p>
+            <a:r>
+              <a:rPr lang="nl-NL" sz="2000" dirty="0">
+                <a:latin typeface="+mn-lt"/>
+              </a:rPr>
+              <a:t>Pulled from HuggingFace</a:t>
+            </a:r>
+          </a:p>
+          <a:p>
+            <a:r>
+              <a:rPr lang="nl-NL" sz="2000" dirty="0">
+                <a:latin typeface="+mn-lt"/>
+              </a:rPr>
+              <a:t>All Pretrained, some fine-tuned</a:t>
+            </a:r>
+          </a:p>
+          <a:p>
+            <a:pPr marL="0" indent="0">
+              <a:buNone/>
+            </a:pPr>
+            <a:endParaRPr lang="en-US" sz="2000" dirty="0">
+              <a:latin typeface="+mn-lt"/>
+              <a:ea typeface="+mn-ea"/>
+              <a:cs typeface="+mn-cs"/>
+            </a:endParaRPr>
+          </a:p>
+          <a:p>
+            <a:r>
+              <a:rPr lang="en-US" sz="2000" dirty="0">
+                <a:latin typeface="+mn-lt"/>
+                <a:ea typeface="+mn-ea"/>
+                <a:cs typeface="+mn-cs"/>
+              </a:rPr>
+              <a:t>Base Wav2Vec2 model 	-	Clean</a:t>
+            </a:r>
+          </a:p>
+          <a:p>
+            <a:r>
+              <a:rPr lang="en-US" sz="2000" dirty="0">
+                <a:latin typeface="+mn-lt"/>
+                <a:ea typeface="+mn-ea"/>
+                <a:cs typeface="+mn-cs"/>
+              </a:rPr>
+              <a:t>Robust Wav2Vec2 model	-	Noisy + Clean	</a:t>
+            </a:r>
+          </a:p>
+          <a:p>
+            <a:r>
+              <a:rPr lang="en-US" sz="2000" dirty="0">
+                <a:latin typeface="+mn-lt"/>
+                <a:ea typeface="+mn-ea"/>
+                <a:cs typeface="+mn-cs"/>
+              </a:rPr>
+              <a:t>XLS-R model			-	Multilingual + Multi-accent</a:t>
+            </a:r>
+          </a:p>
+          <a:p>
+            <a:r>
+              <a:rPr lang="en-US" sz="2000" dirty="0" err="1">
+                <a:latin typeface="+mn-lt"/>
+                <a:ea typeface="+mn-ea"/>
+                <a:cs typeface="+mn-cs"/>
+              </a:rPr>
+              <a:t>huBERT</a:t>
+            </a:r>
+            <a:r>
+              <a:rPr lang="en-US" sz="2000" dirty="0">
+                <a:latin typeface="+mn-lt"/>
+                <a:ea typeface="+mn-ea"/>
+                <a:cs typeface="+mn-cs"/>
+              </a:rPr>
+              <a:t> model		-	Improves or matches 						Wav2Vec2 performance</a:t>
+            </a:r>
+          </a:p>
+          <a:p>
+            <a:pPr marL="0" indent="0">
+              <a:buNone/>
+            </a:pPr>
+            <a:endParaRPr lang="en-US" sz="2000" dirty="0">
+              <a:latin typeface="+mn-lt"/>
+              <a:ea typeface="+mn-ea"/>
+              <a:cs typeface="+mn-cs"/>
+            </a:endParaRPr>
+          </a:p>
+          <a:p>
+            <a:pPr marL="0" indent="0">
+              <a:buNone/>
+            </a:pPr>
+            <a:r>
+              <a:rPr lang="nl-NL" sz="2000" dirty="0"/>
+              <a:t>Choice for research on only XLS-R model:</a:t>
+            </a:r>
+          </a:p>
+          <a:p>
+            <a:pPr lvl="1"/>
+            <a:r>
+              <a:rPr lang="nl-NL" sz="1600" dirty="0"/>
+              <a:t>Accents in ATC</a:t>
+            </a:r>
+          </a:p>
+          <a:p>
+            <a:pPr lvl="1"/>
+            <a:r>
+              <a:rPr lang="nl-NL" sz="1600" dirty="0"/>
+              <a:t>Regularly updated model</a:t>
+            </a:r>
+          </a:p>
+          <a:p>
+            <a:pPr lvl="1"/>
+            <a:r>
+              <a:rPr lang="nl-NL" sz="1600" dirty="0"/>
+              <a:t>Low resources</a:t>
+            </a:r>
+          </a:p>
+          <a:p>
+            <a:endParaRPr lang="nl-NL" sz="2000" dirty="0"/>
+          </a:p>
+          <a:p>
+            <a:pPr marL="0" indent="0">
+              <a:buNone/>
+            </a:pPr>
+            <a:endParaRPr lang="en-US" sz="2000" dirty="0">
+              <a:latin typeface="+mn-lt"/>
+              <a:ea typeface="+mn-ea"/>
+              <a:cs typeface="+mn-cs"/>
+            </a:endParaRPr>
+          </a:p>
+          <a:p>
+            <a:pPr marL="0" indent="0">
+              <a:buNone/>
+            </a:pPr>
+            <a:endParaRPr lang="en-US" sz="2000" dirty="0">
+              <a:latin typeface="+mn-lt"/>
+              <a:ea typeface="+mn-ea"/>
+              <a:cs typeface="+mn-cs"/>
+            </a:endParaRPr>
+          </a:p>
+          <a:p>
+            <a:endParaRPr lang="en-US" sz="2000" dirty="0">
+              <a:latin typeface="+mn-lt"/>
+              <a:ea typeface="+mn-ea"/>
+              <a:cs typeface="+mn-cs"/>
+            </a:endParaRPr>
+          </a:p>
+          <a:p>
+            <a:pPr marL="0" indent="0">
+              <a:buFont typeface="Arial" panose="020B0604020202020204" pitchFamily="34" charset="0"/>
+              <a:buNone/>
+            </a:pPr>
+            <a:endParaRPr lang="en-US" sz="2000" dirty="0">
+              <a:latin typeface="+mn-lt"/>
+              <a:ea typeface="+mn-ea"/>
+              <a:cs typeface="+mn-cs"/>
+            </a:endParaRPr>
+          </a:p>
+        </p:txBody>
+      </p:sp>
+    </p:spTree>
+    <p:extLst>
+      <p:ext uri="{BB962C8B-B14F-4D97-AF65-F5344CB8AC3E}">
+        <p14:creationId xmlns:p14="http://schemas.microsoft.com/office/powerpoint/2010/main" val="2732082678"/>
       </p:ext>
     </p:extLst>
   </p:cSld>

--- a/PowerPoint_presentation_template.pptx
+++ b/PowerPoint_presentation_template.pptx
@@ -6,7 +6,7 @@
     <p:sldMasterId id="2147483673" r:id="rId2"/>
   </p:sldMasterIdLst>
   <p:notesMasterIdLst>
-    <p:notesMasterId r:id="rId18"/>
+    <p:notesMasterId r:id="rId22"/>
   </p:notesMasterIdLst>
   <p:sldIdLst>
     <p:sldId id="256" r:id="rId3"/>
@@ -20,10 +20,14 @@
     <p:sldId id="271" r:id="rId11"/>
     <p:sldId id="264" r:id="rId12"/>
     <p:sldId id="272" r:id="rId13"/>
-    <p:sldId id="265" r:id="rId14"/>
-    <p:sldId id="266" r:id="rId15"/>
-    <p:sldId id="267" r:id="rId16"/>
-    <p:sldId id="261" r:id="rId17"/>
+    <p:sldId id="273" r:id="rId14"/>
+    <p:sldId id="265" r:id="rId15"/>
+    <p:sldId id="274" r:id="rId16"/>
+    <p:sldId id="275" r:id="rId17"/>
+    <p:sldId id="276" r:id="rId18"/>
+    <p:sldId id="266" r:id="rId19"/>
+    <p:sldId id="267" r:id="rId20"/>
+    <p:sldId id="261" r:id="rId21"/>
   </p:sldIdLst>
   <p:sldSz cx="9144000" cy="6858000" type="screen4x3"/>
   <p:notesSz cx="6858000" cy="9144000"/>
@@ -212,7 +216,7 @@
           <a:p>
             <a:fld id="{D629BCAA-3248-4FC9-8652-C27287EE51FE}" type="datetimeFigureOut">
               <a:rPr lang="en-US" smtClean="0"/>
-              <a:t>9/29/2022</a:t>
+              <a:t>9/30/2022</a:t>
             </a:fld>
             <a:endParaRPr lang="en-US"/>
           </a:p>
@@ -694,7 +698,7 @@
           <a:p>
             <a:fld id="{18130A72-798E-4C06-9A59-DB007F4D64ED}" type="datetime1">
               <a:rPr lang="nl-NL" smtClean="0"/>
-              <a:t>29-9-2022</a:t>
+              <a:t>30-9-2022</a:t>
             </a:fld>
             <a:endParaRPr lang="nl-NL"/>
           </a:p>
@@ -864,7 +868,7 @@
           <a:p>
             <a:fld id="{4189B83E-1FC0-419B-B5C8-B7E9C09BD398}" type="datetime1">
               <a:rPr lang="nl-NL" smtClean="0"/>
-              <a:t>29-9-2022</a:t>
+              <a:t>30-9-2022</a:t>
             </a:fld>
             <a:endParaRPr lang="nl-NL"/>
           </a:p>
@@ -1044,7 +1048,7 @@
           <a:p>
             <a:fld id="{1CA840BC-1DAD-43FF-A554-13E5E31D4947}" type="datetime1">
               <a:rPr lang="nl-NL" smtClean="0"/>
-              <a:t>29-9-2022</a:t>
+              <a:t>30-9-2022</a:t>
             </a:fld>
             <a:endParaRPr lang="nl-NL"/>
           </a:p>
@@ -1173,7 +1177,7 @@
           <a:p>
             <a:fld id="{D8720F31-A0D8-4809-BE7F-6A59FC4DE6AD}" type="datetime1">
               <a:rPr lang="nl-NL" smtClean="0"/>
-              <a:t>29-9-2022</a:t>
+              <a:t>30-9-2022</a:t>
             </a:fld>
             <a:endParaRPr lang="nl-NL" dirty="0">
               <a:latin typeface="Open Sans" panose="020B0606030504020204" pitchFamily="34" charset="0"/>
@@ -1406,7 +1410,7 @@
           <a:p>
             <a:fld id="{782D92BB-CDF8-4AA2-B3F9-7F6830C377B1}" type="datetime1">
               <a:rPr lang="nl-NL" smtClean="0"/>
-              <a:t>29-9-2022</a:t>
+              <a:t>30-9-2022</a:t>
             </a:fld>
             <a:endParaRPr lang="nl-NL"/>
           </a:p>
@@ -1604,7 +1608,7 @@
           <a:p>
             <a:fld id="{B4BE20E8-EC78-4344-8E9A-A4B6FB5F8AC9}" type="datetime1">
               <a:rPr lang="nl-NL" smtClean="0"/>
-              <a:t>29-9-2022</a:t>
+              <a:t>30-9-2022</a:t>
             </a:fld>
             <a:endParaRPr lang="nl-NL"/>
           </a:p>
@@ -1879,7 +1883,7 @@
           <a:p>
             <a:fld id="{AB090569-E398-4B11-9228-BC4A73119814}" type="datetime1">
               <a:rPr lang="nl-NL" smtClean="0"/>
-              <a:t>29-9-2022</a:t>
+              <a:t>30-9-2022</a:t>
             </a:fld>
             <a:endParaRPr lang="nl-NL"/>
           </a:p>
@@ -2144,7 +2148,7 @@
           <a:p>
             <a:fld id="{DEA5E422-6963-405C-A1AC-04831DE82936}" type="datetime1">
               <a:rPr lang="nl-NL" smtClean="0"/>
-              <a:t>29-9-2022</a:t>
+              <a:t>30-9-2022</a:t>
             </a:fld>
             <a:endParaRPr lang="nl-NL"/>
           </a:p>
@@ -2556,7 +2560,7 @@
           <a:p>
             <a:fld id="{F8F9D86C-9988-45FF-B7E6-B8961E8A07B3}" type="datetime1">
               <a:rPr lang="nl-NL" smtClean="0"/>
-              <a:t>29-9-2022</a:t>
+              <a:t>30-9-2022</a:t>
             </a:fld>
             <a:endParaRPr lang="nl-NL"/>
           </a:p>
@@ -2697,7 +2701,7 @@
           <a:p>
             <a:fld id="{5A551417-7EF5-433C-AA7C-514377B8C0AF}" type="datetime1">
               <a:rPr lang="nl-NL" smtClean="0"/>
-              <a:t>29-9-2022</a:t>
+              <a:t>30-9-2022</a:t>
             </a:fld>
             <a:endParaRPr lang="nl-NL"/>
           </a:p>
@@ -2810,7 +2814,7 @@
           <a:p>
             <a:fld id="{175C7022-05F1-4A64-A1D8-940DC1A6F753}" type="datetime1">
               <a:rPr lang="nl-NL" smtClean="0"/>
-              <a:t>29-9-2022</a:t>
+              <a:t>30-9-2022</a:t>
             </a:fld>
             <a:endParaRPr lang="nl-NL"/>
           </a:p>
@@ -2997,7 +3001,7 @@
           <a:p>
             <a:fld id="{01EA445C-D728-4B0A-B2BB-5493D648EA02}" type="datetime1">
               <a:rPr lang="nl-NL" smtClean="0"/>
-              <a:t>29-9-2022</a:t>
+              <a:t>30-9-2022</a:t>
             </a:fld>
             <a:endParaRPr lang="nl-NL"/>
           </a:p>
@@ -3301,7 +3305,7 @@
           <a:p>
             <a:fld id="{FD32A731-21D8-4ADE-9475-F626FB02C611}" type="datetime1">
               <a:rPr lang="nl-NL" smtClean="0"/>
-              <a:t>29-9-2022</a:t>
+              <a:t>30-9-2022</a:t>
             </a:fld>
             <a:endParaRPr lang="nl-NL"/>
           </a:p>
@@ -3589,7 +3593,7 @@
           <a:p>
             <a:fld id="{1BE0784C-A773-4E69-ACAA-73A3EE4CC8DB}" type="datetime1">
               <a:rPr lang="nl-NL" smtClean="0"/>
-              <a:t>29-9-2022</a:t>
+              <a:t>30-9-2022</a:t>
             </a:fld>
             <a:endParaRPr lang="nl-NL"/>
           </a:p>
@@ -3787,7 +3791,7 @@
           <a:p>
             <a:fld id="{764F9B4E-FE62-4B34-B3FA-D5F6F458898F}" type="datetime1">
               <a:rPr lang="nl-NL" smtClean="0"/>
-              <a:t>29-9-2022</a:t>
+              <a:t>30-9-2022</a:t>
             </a:fld>
             <a:endParaRPr lang="nl-NL"/>
           </a:p>
@@ -3995,7 +3999,7 @@
           <a:p>
             <a:fld id="{69E4275D-6497-4CDA-98DC-1E6DFA2C47E1}" type="datetime1">
               <a:rPr lang="nl-NL" smtClean="0"/>
-              <a:t>29-9-2022</a:t>
+              <a:t>30-9-2022</a:t>
             </a:fld>
             <a:endParaRPr lang="nl-NL"/>
           </a:p>
@@ -4251,7 +4255,7 @@
           <a:p>
             <a:fld id="{75FC15D6-2DD3-456A-A5C9-643FC2C96214}" type="datetime1">
               <a:rPr lang="nl-NL" smtClean="0"/>
-              <a:t>29-9-2022</a:t>
+              <a:t>30-9-2022</a:t>
             </a:fld>
             <a:endParaRPr lang="nl-NL"/>
           </a:p>
@@ -4483,7 +4487,7 @@
           <a:p>
             <a:fld id="{9CC0C4B4-C60E-4107-8338-A16F47E712BA}" type="datetime1">
               <a:rPr lang="nl-NL" smtClean="0"/>
-              <a:t>29-9-2022</a:t>
+              <a:t>30-9-2022</a:t>
             </a:fld>
             <a:endParaRPr lang="nl-NL"/>
           </a:p>
@@ -4850,7 +4854,7 @@
           <a:p>
             <a:fld id="{ED97B69D-25EE-4F6B-A025-C9356BF5196F}" type="datetime1">
               <a:rPr lang="nl-NL" smtClean="0"/>
-              <a:t>29-9-2022</a:t>
+              <a:t>30-9-2022</a:t>
             </a:fld>
             <a:endParaRPr lang="nl-NL"/>
           </a:p>
@@ -4968,7 +4972,7 @@
           <a:p>
             <a:fld id="{135BA7EE-4350-4E9D-8482-E4106E74C348}" type="datetime1">
               <a:rPr lang="nl-NL" smtClean="0"/>
-              <a:t>29-9-2022</a:t>
+              <a:t>30-9-2022</a:t>
             </a:fld>
             <a:endParaRPr lang="nl-NL"/>
           </a:p>
@@ -5063,7 +5067,7 @@
           <a:p>
             <a:fld id="{5985CAE9-7880-4C9A-8D76-CF15052E52CC}" type="datetime1">
               <a:rPr lang="nl-NL" smtClean="0"/>
-              <a:t>29-9-2022</a:t>
+              <a:t>30-9-2022</a:t>
             </a:fld>
             <a:endParaRPr lang="nl-NL"/>
           </a:p>
@@ -5340,7 +5344,7 @@
           <a:p>
             <a:fld id="{9F7639AC-17FC-4D70-A0E3-0F8D800275E8}" type="datetime1">
               <a:rPr lang="nl-NL" smtClean="0"/>
-              <a:t>29-9-2022</a:t>
+              <a:t>30-9-2022</a:t>
             </a:fld>
             <a:endParaRPr lang="nl-NL"/>
           </a:p>
@@ -5597,7 +5601,7 @@
           <a:p>
             <a:fld id="{A7D1C640-FDFA-4B54-ACC0-9BFA0F6DC2E5}" type="datetime1">
               <a:rPr lang="nl-NL" smtClean="0"/>
-              <a:t>29-9-2022</a:t>
+              <a:t>30-9-2022</a:t>
             </a:fld>
             <a:endParaRPr lang="nl-NL"/>
           </a:p>
@@ -5822,7 +5826,7 @@
           <a:p>
             <a:fld id="{7D9CE99F-90D7-49FC-BFC9-DC2836ABCB14}" type="datetime1">
               <a:rPr lang="nl-NL" smtClean="0"/>
-              <a:t>29-9-2022</a:t>
+              <a:t>30-9-2022</a:t>
             </a:fld>
             <a:endParaRPr lang="nl-NL" dirty="0">
               <a:latin typeface="Open Sans" panose="020B0606030504020204" pitchFamily="34" charset="0"/>
@@ -6408,7 +6412,7 @@
           <a:p>
             <a:fld id="{DDB7B9B1-682F-4483-B0F1-5BF417E9590B}" type="datetime1">
               <a:rPr lang="nl-NL" smtClean="0"/>
-              <a:t>29-9-2022</a:t>
+              <a:t>30-9-2022</a:t>
             </a:fld>
             <a:endParaRPr lang="nl-NL" dirty="0">
               <a:latin typeface="Open Sans" panose="020B0606030504020204" pitchFamily="34" charset="0"/>
@@ -7113,7 +7117,7 @@
               <a:buNone/>
             </a:pPr>
             <a:r>
-              <a:rPr lang="nl-NL" sz="2000" dirty="0"/>
+              <a:rPr lang="nl-NL" sz="2400" dirty="0"/>
               <a:t>Data</a:t>
             </a:r>
           </a:p>
@@ -7274,7 +7278,12 @@
             <p:ph idx="1"/>
           </p:nvPr>
         </p:nvSpPr>
-        <p:spPr/>
+        <p:spPr>
+          <a:xfrm>
+            <a:off x="628650" y="1825624"/>
+            <a:ext cx="7886700" cy="4235739"/>
+          </a:xfrm>
+        </p:spPr>
         <p:txBody>
           <a:bodyPr>
             <a:normAutofit/>
@@ -7334,13 +7343,28 @@
             </a:r>
           </a:p>
           <a:p>
-            <a:pPr marL="0" indent="0">
-              <a:buNone/>
-            </a:pPr>
             <a:r>
               <a:rPr lang="en-US" sz="1800" dirty="0"/>
-              <a:t>Train-validation-test split of 8:1:1</a:t>
-            </a:r>
+              <a:t>Train-validation-test split of 8:1:1 </a:t>
+            </a:r>
+            <a:r>
+              <a:rPr lang="en-US" sz="1800" dirty="0">
+                <a:sym typeface="Wingdings" panose="05000000000000000000" pitchFamily="2" charset="2"/>
+              </a:rPr>
+              <a:t>7526:940:931 rows  </a:t>
+            </a:r>
+            <a:br>
+              <a:rPr lang="en-US" sz="1800" dirty="0">
+                <a:sym typeface="Wingdings" panose="05000000000000000000" pitchFamily="2" charset="2"/>
+              </a:rPr>
+            </a:br>
+            <a:r>
+              <a:rPr lang="en-US" sz="1800" dirty="0">
+                <a:sym typeface="Wingdings" panose="05000000000000000000" pitchFamily="2" charset="2"/>
+              </a:rPr>
+              <a:t>1000:50:931 rows</a:t>
+            </a:r>
+            <a:endParaRPr lang="en-US" sz="1800" dirty="0"/>
           </a:p>
         </p:txBody>
       </p:sp>
@@ -7408,7 +7432,7 @@
           <p:cNvPr id="2" name="Title 1">
             <a:extLst>
               <a:ext uri="{FF2B5EF4-FFF2-40B4-BE49-F238E27FC236}">
-                <a16:creationId xmlns:a16="http://schemas.microsoft.com/office/drawing/2014/main" id="{E2656710-A520-C2CA-3BA9-8B1562F4EBF4}"/>
+                <a16:creationId xmlns:a16="http://schemas.microsoft.com/office/drawing/2014/main" id="{F1E62AE9-C9C6-AA82-94D1-C76D9F0B6D85}"/>
               </a:ext>
             </a:extLst>
           </p:cNvPr>
@@ -7426,7 +7450,7 @@
           <a:p>
             <a:r>
               <a:rPr lang="nl-NL" dirty="0"/>
-              <a:t>Results</a:t>
+              <a:t>Settings</a:t>
             </a:r>
             <a:endParaRPr lang="en-US" dirty="0"/>
           </a:p>
@@ -7437,7 +7461,7 @@
           <p:cNvPr id="3" name="Content Placeholder 2">
             <a:extLst>
               <a:ext uri="{FF2B5EF4-FFF2-40B4-BE49-F238E27FC236}">
-                <a16:creationId xmlns:a16="http://schemas.microsoft.com/office/drawing/2014/main" id="{95889E8C-B29A-4113-CC32-FC5EE6ECBE1D}"/>
+                <a16:creationId xmlns:a16="http://schemas.microsoft.com/office/drawing/2014/main" id="{680D5179-C1EF-5A2B-657A-163145C79946}"/>
               </a:ext>
             </a:extLst>
           </p:cNvPr>
@@ -7453,7 +7477,43 @@
           <a:bodyPr/>
           <a:lstStyle/>
           <a:p>
-            <a:endParaRPr lang="en-US"/>
+            <a:r>
+              <a:rPr lang="nl-NL" sz="2000" dirty="0"/>
+              <a:t>No tuning of hyperparameters</a:t>
+            </a:r>
+          </a:p>
+          <a:p>
+            <a:r>
+              <a:rPr lang="nl-NL" sz="2000" dirty="0"/>
+              <a:t>Fine-tune for 7500 steps</a:t>
+            </a:r>
+          </a:p>
+          <a:p>
+            <a:r>
+              <a:rPr lang="nl-NL" sz="2000" dirty="0"/>
+              <a:t>100 step warm-up phase</a:t>
+            </a:r>
+          </a:p>
+          <a:p>
+            <a:r>
+              <a:rPr lang="nl-NL" sz="2000" dirty="0"/>
+              <a:t>Locally on Geforce GTX 1080</a:t>
+            </a:r>
+          </a:p>
+          <a:p>
+            <a:r>
+              <a:rPr lang="nl-NL" sz="2000" dirty="0"/>
+              <a:t>Effective batch size of 8</a:t>
+            </a:r>
+          </a:p>
+          <a:p>
+            <a:r>
+              <a:rPr lang="nl-NL" sz="2000" dirty="0"/>
+              <a:t>Linear learning rate of 3e-4</a:t>
+            </a:r>
+          </a:p>
+          <a:p>
+            <a:endParaRPr lang="en-US" dirty="0"/>
           </a:p>
         </p:txBody>
       </p:sp>
@@ -7462,7 +7522,7 @@
           <p:cNvPr id="4" name="Slide Number Placeholder 3">
             <a:extLst>
               <a:ext uri="{FF2B5EF4-FFF2-40B4-BE49-F238E27FC236}">
-                <a16:creationId xmlns:a16="http://schemas.microsoft.com/office/drawing/2014/main" id="{07DD0B38-D143-4A81-E5F8-987B8C9537D6}"/>
+                <a16:creationId xmlns:a16="http://schemas.microsoft.com/office/drawing/2014/main" id="{EFF39A88-1857-D6CB-C8FD-67F066AFE940}"/>
               </a:ext>
             </a:extLst>
           </p:cNvPr>
@@ -7489,7 +7549,7 @@
     </p:spTree>
     <p:extLst>
       <p:ext uri="{BB962C8B-B14F-4D97-AF65-F5344CB8AC3E}">
-        <p14:creationId xmlns:p14="http://schemas.microsoft.com/office/powerpoint/2010/main" val="466879933"/>
+        <p14:creationId xmlns:p14="http://schemas.microsoft.com/office/powerpoint/2010/main" val="3518521865"/>
       </p:ext>
     </p:extLst>
   </p:cSld>
@@ -7539,34 +7599,9 @@
           <a:p>
             <a:r>
               <a:rPr lang="nl-NL" dirty="0"/>
-              <a:t>Discussion</a:t>
+              <a:t>Results</a:t>
             </a:r>
             <a:endParaRPr lang="en-US" dirty="0"/>
-          </a:p>
-        </p:txBody>
-      </p:sp>
-      <p:sp>
-        <p:nvSpPr>
-          <p:cNvPr id="3" name="Content Placeholder 2">
-            <a:extLst>
-              <a:ext uri="{FF2B5EF4-FFF2-40B4-BE49-F238E27FC236}">
-                <a16:creationId xmlns:a16="http://schemas.microsoft.com/office/drawing/2014/main" id="{95889E8C-B29A-4113-CC32-FC5EE6ECBE1D}"/>
-              </a:ext>
-            </a:extLst>
-          </p:cNvPr>
-          <p:cNvSpPr>
-            <a:spLocks noGrp="1"/>
-          </p:cNvSpPr>
-          <p:nvPr>
-            <p:ph idx="1"/>
-          </p:nvPr>
-        </p:nvSpPr>
-        <p:spPr/>
-        <p:txBody>
-          <a:bodyPr/>
-          <a:lstStyle/>
-          <a:p>
-            <a:endParaRPr lang="en-US"/>
           </a:p>
         </p:txBody>
       </p:sp>
@@ -7599,10 +7634,75 @@
           </a:p>
         </p:txBody>
       </p:sp>
+      <p:pic>
+        <p:nvPicPr>
+          <p:cNvPr id="6" name="Picture 5">
+            <a:extLst>
+              <a:ext uri="{FF2B5EF4-FFF2-40B4-BE49-F238E27FC236}">
+                <a16:creationId xmlns:a16="http://schemas.microsoft.com/office/drawing/2014/main" id="{A191D0F8-E7C6-4461-B826-4769CC6822CC}"/>
+              </a:ext>
+            </a:extLst>
+          </p:cNvPr>
+          <p:cNvPicPr>
+            <a:picLocks noChangeAspect="1"/>
+          </p:cNvPicPr>
+          <p:nvPr/>
+        </p:nvPicPr>
+        <p:blipFill>
+          <a:blip r:embed="rId2"/>
+          <a:stretch>
+            <a:fillRect/>
+          </a:stretch>
+        </p:blipFill>
+        <p:spPr>
+          <a:xfrm>
+            <a:off x="1136939" y="1361469"/>
+            <a:ext cx="6870122" cy="4135062"/>
+          </a:xfrm>
+          <a:prstGeom prst="rect">
+            <a:avLst/>
+          </a:prstGeom>
+        </p:spPr>
+      </p:pic>
+      <p:sp>
+        <p:nvSpPr>
+          <p:cNvPr id="9" name="TextBox 8">
+            <a:extLst>
+              <a:ext uri="{FF2B5EF4-FFF2-40B4-BE49-F238E27FC236}">
+                <a16:creationId xmlns:a16="http://schemas.microsoft.com/office/drawing/2014/main" id="{2EA29AB5-A678-8502-84B9-63E3518F35BC}"/>
+              </a:ext>
+            </a:extLst>
+          </p:cNvPr>
+          <p:cNvSpPr txBox="1"/>
+          <p:nvPr/>
+        </p:nvSpPr>
+        <p:spPr>
+          <a:xfrm>
+            <a:off x="1185519" y="5537057"/>
+            <a:ext cx="6845420" cy="276999"/>
+          </a:xfrm>
+          <a:prstGeom prst="rect">
+            <a:avLst/>
+          </a:prstGeom>
+          <a:noFill/>
+        </p:spPr>
+        <p:txBody>
+          <a:bodyPr wrap="square" rtlCol="0">
+            <a:spAutoFit/>
+          </a:bodyPr>
+          <a:lstStyle/>
+          <a:p>
+            <a:r>
+              <a:rPr lang="en-US" sz="1200" dirty="0"/>
+              <a:t>Figure 1: Evaluation of pretrained models in WER and CER.</a:t>
+            </a:r>
+          </a:p>
+        </p:txBody>
+      </p:sp>
     </p:spTree>
     <p:extLst>
       <p:ext uri="{BB962C8B-B14F-4D97-AF65-F5344CB8AC3E}">
-        <p14:creationId xmlns:p14="http://schemas.microsoft.com/office/powerpoint/2010/main" val="1611586621"/>
+        <p14:creationId xmlns:p14="http://schemas.microsoft.com/office/powerpoint/2010/main" val="466879933"/>
       </p:ext>
     </p:extLst>
   </p:cSld>
@@ -7631,64 +7731,10 @@
       </p:grpSpPr>
       <p:sp>
         <p:nvSpPr>
-          <p:cNvPr id="2" name="Title 1">
-            <a:extLst>
-              <a:ext uri="{FF2B5EF4-FFF2-40B4-BE49-F238E27FC236}">
-                <a16:creationId xmlns:a16="http://schemas.microsoft.com/office/drawing/2014/main" id="{E2656710-A520-C2CA-3BA9-8B1562F4EBF4}"/>
-              </a:ext>
-            </a:extLst>
-          </p:cNvPr>
-          <p:cNvSpPr>
-            <a:spLocks noGrp="1"/>
-          </p:cNvSpPr>
-          <p:nvPr>
-            <p:ph type="title"/>
-          </p:nvPr>
-        </p:nvSpPr>
-        <p:spPr/>
-        <p:txBody>
-          <a:bodyPr/>
-          <a:lstStyle/>
-          <a:p>
-            <a:r>
-              <a:rPr lang="nl-NL" dirty="0"/>
-              <a:t>Conclusion</a:t>
-            </a:r>
-            <a:endParaRPr lang="en-US" dirty="0"/>
-          </a:p>
-        </p:txBody>
-      </p:sp>
-      <p:sp>
-        <p:nvSpPr>
-          <p:cNvPr id="3" name="Content Placeholder 2">
-            <a:extLst>
-              <a:ext uri="{FF2B5EF4-FFF2-40B4-BE49-F238E27FC236}">
-                <a16:creationId xmlns:a16="http://schemas.microsoft.com/office/drawing/2014/main" id="{95889E8C-B29A-4113-CC32-FC5EE6ECBE1D}"/>
-              </a:ext>
-            </a:extLst>
-          </p:cNvPr>
-          <p:cNvSpPr>
-            <a:spLocks noGrp="1"/>
-          </p:cNvSpPr>
-          <p:nvPr>
-            <p:ph idx="1"/>
-          </p:nvPr>
-        </p:nvSpPr>
-        <p:spPr/>
-        <p:txBody>
-          <a:bodyPr/>
-          <a:lstStyle/>
-          <a:p>
-            <a:endParaRPr lang="en-US"/>
-          </a:p>
-        </p:txBody>
-      </p:sp>
-      <p:sp>
-        <p:nvSpPr>
-          <p:cNvPr id="4" name="Slide Number Placeholder 3">
-            <a:extLst>
-              <a:ext uri="{FF2B5EF4-FFF2-40B4-BE49-F238E27FC236}">
-                <a16:creationId xmlns:a16="http://schemas.microsoft.com/office/drawing/2014/main" id="{07DD0B38-D143-4A81-E5F8-987B8C9537D6}"/>
+          <p:cNvPr id="2" name="Slide Number Placeholder 1">
+            <a:extLst>
+              <a:ext uri="{FF2B5EF4-FFF2-40B4-BE49-F238E27FC236}">
+                <a16:creationId xmlns:a16="http://schemas.microsoft.com/office/drawing/2014/main" id="{20D33A51-71F3-97B5-0F91-8A33106093CA}"/>
               </a:ext>
             </a:extLst>
           </p:cNvPr>
@@ -7712,10 +7758,120 @@
           </a:p>
         </p:txBody>
       </p:sp>
+      <p:pic>
+        <p:nvPicPr>
+          <p:cNvPr id="4" name="Picture 3">
+            <a:extLst>
+              <a:ext uri="{FF2B5EF4-FFF2-40B4-BE49-F238E27FC236}">
+                <a16:creationId xmlns:a16="http://schemas.microsoft.com/office/drawing/2014/main" id="{579FFC7F-B0C1-67D8-0F8B-E3936EBBC3A7}"/>
+              </a:ext>
+            </a:extLst>
+          </p:cNvPr>
+          <p:cNvPicPr>
+            <a:picLocks noChangeAspect="1"/>
+          </p:cNvPicPr>
+          <p:nvPr/>
+        </p:nvPicPr>
+        <p:blipFill>
+          <a:blip r:embed="rId2"/>
+          <a:stretch>
+            <a:fillRect/>
+          </a:stretch>
+        </p:blipFill>
+        <p:spPr>
+          <a:xfrm>
+            <a:off x="1143597" y="1361874"/>
+            <a:ext cx="6856806" cy="4134251"/>
+          </a:xfrm>
+          <a:prstGeom prst="rect">
+            <a:avLst/>
+          </a:prstGeom>
+        </p:spPr>
+      </p:pic>
+      <p:sp>
+        <p:nvSpPr>
+          <p:cNvPr id="5" name="TextBox 4">
+            <a:extLst>
+              <a:ext uri="{FF2B5EF4-FFF2-40B4-BE49-F238E27FC236}">
+                <a16:creationId xmlns:a16="http://schemas.microsoft.com/office/drawing/2014/main" id="{166F4123-685D-D416-A78C-CDBB9BA9DC05}"/>
+              </a:ext>
+            </a:extLst>
+          </p:cNvPr>
+          <p:cNvSpPr txBox="1"/>
+          <p:nvPr/>
+        </p:nvSpPr>
+        <p:spPr>
+          <a:xfrm>
+            <a:off x="1143597" y="654519"/>
+            <a:ext cx="6681077" cy="646331"/>
+          </a:xfrm>
+          <a:prstGeom prst="rect">
+            <a:avLst/>
+          </a:prstGeom>
+          <a:noFill/>
+        </p:spPr>
+        <p:txBody>
+          <a:bodyPr wrap="square" rtlCol="0">
+            <a:spAutoFit/>
+          </a:bodyPr>
+          <a:lstStyle/>
+          <a:p>
+            <a:pPr marL="285750" indent="-285750">
+              <a:buFont typeface="Arial" panose="020B0604020202020204" pitchFamily="34" charset="0"/>
+              <a:buChar char="•"/>
+            </a:pPr>
+            <a:r>
+              <a:rPr lang="nl-NL" dirty="0"/>
+              <a:t>WERR of ~93% and CERR of ~92% for XLS-R-1000</a:t>
+            </a:r>
+          </a:p>
+          <a:p>
+            <a:endParaRPr lang="en-US" dirty="0"/>
+          </a:p>
+        </p:txBody>
+      </p:sp>
+      <p:sp>
+        <p:nvSpPr>
+          <p:cNvPr id="6" name="TextBox 5">
+            <a:extLst>
+              <a:ext uri="{FF2B5EF4-FFF2-40B4-BE49-F238E27FC236}">
+                <a16:creationId xmlns:a16="http://schemas.microsoft.com/office/drawing/2014/main" id="{7C25CF02-0745-22FB-37F0-FE2E0E428BA9}"/>
+              </a:ext>
+            </a:extLst>
+          </p:cNvPr>
+          <p:cNvSpPr txBox="1"/>
+          <p:nvPr/>
+        </p:nvSpPr>
+        <p:spPr>
+          <a:xfrm>
+            <a:off x="1185519" y="5537057"/>
+            <a:ext cx="6845420" cy="276999"/>
+          </a:xfrm>
+          <a:prstGeom prst="rect">
+            <a:avLst/>
+          </a:prstGeom>
+          <a:noFill/>
+        </p:spPr>
+        <p:txBody>
+          <a:bodyPr wrap="square" rtlCol="0">
+            <a:spAutoFit/>
+          </a:bodyPr>
+          <a:lstStyle/>
+          <a:p>
+            <a:r>
+              <a:rPr lang="en-US" sz="1200" b="0" i="0" dirty="0">
+                <a:effectLst/>
+              </a:rPr>
+              <a:t>Figure 2: Evaluation of the fine-tuned XLS-R models in WER and CER.</a:t>
+            </a:r>
+            <a:endParaRPr lang="en-US" sz="1200" dirty="0"/>
+          </a:p>
+        </p:txBody>
+      </p:sp>
     </p:spTree>
     <p:extLst>
       <p:ext uri="{BB962C8B-B14F-4D97-AF65-F5344CB8AC3E}">
-        <p14:creationId xmlns:p14="http://schemas.microsoft.com/office/powerpoint/2010/main" val="344043352"/>
+        <p14:creationId xmlns:p14="http://schemas.microsoft.com/office/powerpoint/2010/main" val="2302714482"/>
       </p:ext>
     </p:extLst>
   </p:cSld>
@@ -7744,6 +7900,562 @@
       </p:grpSpPr>
       <p:sp>
         <p:nvSpPr>
+          <p:cNvPr id="2" name="Slide Number Placeholder 1">
+            <a:extLst>
+              <a:ext uri="{FF2B5EF4-FFF2-40B4-BE49-F238E27FC236}">
+                <a16:creationId xmlns:a16="http://schemas.microsoft.com/office/drawing/2014/main" id="{24DA2A49-CCE4-95E8-D10E-685347F3B333}"/>
+              </a:ext>
+            </a:extLst>
+          </p:cNvPr>
+          <p:cNvSpPr>
+            <a:spLocks noGrp="1"/>
+          </p:cNvSpPr>
+          <p:nvPr>
+            <p:ph type="sldNum" sz="quarter" idx="12"/>
+          </p:nvPr>
+        </p:nvSpPr>
+        <p:spPr/>
+        <p:txBody>
+          <a:bodyPr/>
+          <a:lstStyle/>
+          <a:p>
+            <a:fld id="{557A3E6A-0FDC-2641-BE73-5835A252D50B}" type="slidenum">
+              <a:rPr lang="nl-NL" smtClean="0"/>
+              <a:t>15</a:t>
+            </a:fld>
+            <a:endParaRPr lang="nl-NL"/>
+          </a:p>
+        </p:txBody>
+      </p:sp>
+      <p:pic>
+        <p:nvPicPr>
+          <p:cNvPr id="4" name="Picture 3">
+            <a:extLst>
+              <a:ext uri="{FF2B5EF4-FFF2-40B4-BE49-F238E27FC236}">
+                <a16:creationId xmlns:a16="http://schemas.microsoft.com/office/drawing/2014/main" id="{FF6C746F-8F32-276C-EA21-27B355945EE3}"/>
+              </a:ext>
+            </a:extLst>
+          </p:cNvPr>
+          <p:cNvPicPr>
+            <a:picLocks noChangeAspect="1"/>
+          </p:cNvPicPr>
+          <p:nvPr/>
+        </p:nvPicPr>
+        <p:blipFill>
+          <a:blip r:embed="rId2"/>
+          <a:stretch>
+            <a:fillRect/>
+          </a:stretch>
+        </p:blipFill>
+        <p:spPr>
+          <a:xfrm>
+            <a:off x="1103347" y="1336963"/>
+            <a:ext cx="6937305" cy="4184073"/>
+          </a:xfrm>
+          <a:prstGeom prst="rect">
+            <a:avLst/>
+          </a:prstGeom>
+        </p:spPr>
+      </p:pic>
+      <p:sp>
+        <p:nvSpPr>
+          <p:cNvPr id="6" name="TextBox 5">
+            <a:extLst>
+              <a:ext uri="{FF2B5EF4-FFF2-40B4-BE49-F238E27FC236}">
+                <a16:creationId xmlns:a16="http://schemas.microsoft.com/office/drawing/2014/main" id="{EA32BA1B-724D-E822-6120-2CBF1D075384}"/>
+              </a:ext>
+            </a:extLst>
+          </p:cNvPr>
+          <p:cNvSpPr txBox="1"/>
+          <p:nvPr/>
+        </p:nvSpPr>
+        <p:spPr>
+          <a:xfrm>
+            <a:off x="815825" y="665182"/>
+            <a:ext cx="6681077" cy="923330"/>
+          </a:xfrm>
+          <a:prstGeom prst="rect">
+            <a:avLst/>
+          </a:prstGeom>
+          <a:noFill/>
+        </p:spPr>
+        <p:txBody>
+          <a:bodyPr wrap="square" rtlCol="0">
+            <a:spAutoFit/>
+          </a:bodyPr>
+          <a:lstStyle/>
+          <a:p>
+            <a:pPr marL="285750" indent="-285750">
+              <a:buFont typeface="Arial" panose="020B0604020202020204" pitchFamily="34" charset="0"/>
+              <a:buChar char="•"/>
+            </a:pPr>
+            <a:r>
+              <a:rPr lang="nl-NL" dirty="0"/>
+              <a:t>~33% WERR and ~20% CERR relative to </a:t>
+            </a:r>
+            <a:br>
+              <a:rPr lang="nl-NL" dirty="0"/>
+            </a:br>
+            <a:r>
+              <a:rPr lang="nl-NL" dirty="0"/>
+              <a:t>fine-tuned models without an in-domain LM</a:t>
+            </a:r>
+          </a:p>
+          <a:p>
+            <a:endParaRPr lang="en-US" dirty="0"/>
+          </a:p>
+        </p:txBody>
+      </p:sp>
+      <p:sp>
+        <p:nvSpPr>
+          <p:cNvPr id="7" name="TextBox 6">
+            <a:extLst>
+              <a:ext uri="{FF2B5EF4-FFF2-40B4-BE49-F238E27FC236}">
+                <a16:creationId xmlns:a16="http://schemas.microsoft.com/office/drawing/2014/main" id="{8BC89E69-B1EF-B78A-2FF7-1FA24199F289}"/>
+              </a:ext>
+            </a:extLst>
+          </p:cNvPr>
+          <p:cNvSpPr txBox="1"/>
+          <p:nvPr/>
+        </p:nvSpPr>
+        <p:spPr>
+          <a:xfrm>
+            <a:off x="1185519" y="5537057"/>
+            <a:ext cx="6845420" cy="276999"/>
+          </a:xfrm>
+          <a:prstGeom prst="rect">
+            <a:avLst/>
+          </a:prstGeom>
+          <a:noFill/>
+        </p:spPr>
+        <p:txBody>
+          <a:bodyPr wrap="square" rtlCol="0">
+            <a:spAutoFit/>
+          </a:bodyPr>
+          <a:lstStyle/>
+          <a:p>
+            <a:r>
+              <a:rPr lang="en-US" sz="1200" b="0" i="0" dirty="0">
+                <a:effectLst/>
+              </a:rPr>
+              <a:t>Figure 3: Evaluation of the fine-tuned XLS-R models in addition to a LM in WER and CER.</a:t>
+            </a:r>
+            <a:endParaRPr lang="en-US" sz="1200" dirty="0"/>
+          </a:p>
+        </p:txBody>
+      </p:sp>
+      <p:pic>
+        <p:nvPicPr>
+          <p:cNvPr id="10" name="Picture 9">
+            <a:extLst>
+              <a:ext uri="{FF2B5EF4-FFF2-40B4-BE49-F238E27FC236}">
+                <a16:creationId xmlns:a16="http://schemas.microsoft.com/office/drawing/2014/main" id="{B0AFE45F-41CE-FBB3-1269-4869FDD9D455}"/>
+              </a:ext>
+            </a:extLst>
+          </p:cNvPr>
+          <p:cNvPicPr>
+            <a:picLocks noChangeAspect="1"/>
+          </p:cNvPicPr>
+          <p:nvPr/>
+        </p:nvPicPr>
+        <p:blipFill>
+          <a:blip r:embed="rId3"/>
+          <a:stretch>
+            <a:fillRect/>
+          </a:stretch>
+        </p:blipFill>
+        <p:spPr>
+          <a:xfrm>
+            <a:off x="6036841" y="85754"/>
+            <a:ext cx="2920123" cy="1322892"/>
+          </a:xfrm>
+          <a:prstGeom prst="rect">
+            <a:avLst/>
+          </a:prstGeom>
+        </p:spPr>
+      </p:pic>
+    </p:spTree>
+    <p:extLst>
+      <p:ext uri="{BB962C8B-B14F-4D97-AF65-F5344CB8AC3E}">
+        <p14:creationId xmlns:p14="http://schemas.microsoft.com/office/powerpoint/2010/main" val="2029728172"/>
+      </p:ext>
+    </p:extLst>
+  </p:cSld>
+  <p:clrMapOvr>
+    <a:masterClrMapping/>
+  </p:clrMapOvr>
+</p:sld>
+</file>
+
+<file path=ppt/slides/slide16.xml><?xml version="1.0" encoding="utf-8"?>
+<p:sld xmlns:a="http://schemas.openxmlformats.org/drawingml/2006/main" xmlns:r="http://schemas.openxmlformats.org/officeDocument/2006/relationships" xmlns:p="http://schemas.openxmlformats.org/presentationml/2006/main">
+  <p:cSld>
+    <p:spTree>
+      <p:nvGrpSpPr>
+        <p:cNvPr id="1" name=""/>
+        <p:cNvGrpSpPr/>
+        <p:nvPr/>
+      </p:nvGrpSpPr>
+      <p:grpSpPr>
+        <a:xfrm>
+          <a:off x="0" y="0"/>
+          <a:ext cx="0" cy="0"/>
+          <a:chOff x="0" y="0"/>
+          <a:chExt cx="0" cy="0"/>
+        </a:xfrm>
+      </p:grpSpPr>
+      <p:sp>
+        <p:nvSpPr>
+          <p:cNvPr id="2" name="Slide Number Placeholder 1">
+            <a:extLst>
+              <a:ext uri="{FF2B5EF4-FFF2-40B4-BE49-F238E27FC236}">
+                <a16:creationId xmlns:a16="http://schemas.microsoft.com/office/drawing/2014/main" id="{BF7619CC-A7F8-D43E-5688-1085A6741FAA}"/>
+              </a:ext>
+            </a:extLst>
+          </p:cNvPr>
+          <p:cNvSpPr>
+            <a:spLocks noGrp="1"/>
+          </p:cNvSpPr>
+          <p:nvPr>
+            <p:ph type="sldNum" sz="quarter" idx="12"/>
+          </p:nvPr>
+        </p:nvSpPr>
+        <p:spPr/>
+        <p:txBody>
+          <a:bodyPr/>
+          <a:lstStyle/>
+          <a:p>
+            <a:fld id="{557A3E6A-0FDC-2641-BE73-5835A252D50B}" type="slidenum">
+              <a:rPr lang="nl-NL" smtClean="0"/>
+              <a:t>16</a:t>
+            </a:fld>
+            <a:endParaRPr lang="nl-NL"/>
+          </a:p>
+        </p:txBody>
+      </p:sp>
+      <p:pic>
+        <p:nvPicPr>
+          <p:cNvPr id="4" name="Picture 3">
+            <a:extLst>
+              <a:ext uri="{FF2B5EF4-FFF2-40B4-BE49-F238E27FC236}">
+                <a16:creationId xmlns:a16="http://schemas.microsoft.com/office/drawing/2014/main" id="{28EE06A0-41CB-C871-B773-12D755FCA7B0}"/>
+              </a:ext>
+            </a:extLst>
+          </p:cNvPr>
+          <p:cNvPicPr>
+            <a:picLocks noChangeAspect="1"/>
+          </p:cNvPicPr>
+          <p:nvPr/>
+        </p:nvPicPr>
+        <p:blipFill>
+          <a:blip r:embed="rId2"/>
+          <a:stretch>
+            <a:fillRect/>
+          </a:stretch>
+        </p:blipFill>
+        <p:spPr>
+          <a:xfrm>
+            <a:off x="1153089" y="1368136"/>
+            <a:ext cx="6837821" cy="4121727"/>
+          </a:xfrm>
+          <a:prstGeom prst="rect">
+            <a:avLst/>
+          </a:prstGeom>
+        </p:spPr>
+      </p:pic>
+      <p:sp>
+        <p:nvSpPr>
+          <p:cNvPr id="5" name="TextBox 4">
+            <a:extLst>
+              <a:ext uri="{FF2B5EF4-FFF2-40B4-BE49-F238E27FC236}">
+                <a16:creationId xmlns:a16="http://schemas.microsoft.com/office/drawing/2014/main" id="{B479DD72-1C1A-340A-23C6-3512E5A5FDA5}"/>
+              </a:ext>
+            </a:extLst>
+          </p:cNvPr>
+          <p:cNvSpPr txBox="1"/>
+          <p:nvPr/>
+        </p:nvSpPr>
+        <p:spPr>
+          <a:xfrm>
+            <a:off x="1185519" y="5537057"/>
+            <a:ext cx="6845420" cy="276999"/>
+          </a:xfrm>
+          <a:prstGeom prst="rect">
+            <a:avLst/>
+          </a:prstGeom>
+          <a:noFill/>
+        </p:spPr>
+        <p:txBody>
+          <a:bodyPr wrap="square" rtlCol="0">
+            <a:spAutoFit/>
+          </a:bodyPr>
+          <a:lstStyle/>
+          <a:p>
+            <a:r>
+              <a:rPr lang="en-US" sz="1200" dirty="0"/>
+              <a:t>Figure 4: Improvement of the XLS-R model in WER and CER.</a:t>
+            </a:r>
+          </a:p>
+        </p:txBody>
+      </p:sp>
+    </p:spTree>
+    <p:extLst>
+      <p:ext uri="{BB962C8B-B14F-4D97-AF65-F5344CB8AC3E}">
+        <p14:creationId xmlns:p14="http://schemas.microsoft.com/office/powerpoint/2010/main" val="2031599627"/>
+      </p:ext>
+    </p:extLst>
+  </p:cSld>
+  <p:clrMapOvr>
+    <a:masterClrMapping/>
+  </p:clrMapOvr>
+</p:sld>
+</file>
+
+<file path=ppt/slides/slide17.xml><?xml version="1.0" encoding="utf-8"?>
+<p:sld xmlns:a="http://schemas.openxmlformats.org/drawingml/2006/main" xmlns:r="http://schemas.openxmlformats.org/officeDocument/2006/relationships" xmlns:p="http://schemas.openxmlformats.org/presentationml/2006/main">
+  <p:cSld>
+    <p:spTree>
+      <p:nvGrpSpPr>
+        <p:cNvPr id="1" name=""/>
+        <p:cNvGrpSpPr/>
+        <p:nvPr/>
+      </p:nvGrpSpPr>
+      <p:grpSpPr>
+        <a:xfrm>
+          <a:off x="0" y="0"/>
+          <a:ext cx="0" cy="0"/>
+          <a:chOff x="0" y="0"/>
+          <a:chExt cx="0" cy="0"/>
+        </a:xfrm>
+      </p:grpSpPr>
+      <p:sp>
+        <p:nvSpPr>
+          <p:cNvPr id="2" name="Title 1">
+            <a:extLst>
+              <a:ext uri="{FF2B5EF4-FFF2-40B4-BE49-F238E27FC236}">
+                <a16:creationId xmlns:a16="http://schemas.microsoft.com/office/drawing/2014/main" id="{E2656710-A520-C2CA-3BA9-8B1562F4EBF4}"/>
+              </a:ext>
+            </a:extLst>
+          </p:cNvPr>
+          <p:cNvSpPr>
+            <a:spLocks noGrp="1"/>
+          </p:cNvSpPr>
+          <p:nvPr>
+            <p:ph type="title"/>
+          </p:nvPr>
+        </p:nvSpPr>
+        <p:spPr/>
+        <p:txBody>
+          <a:bodyPr/>
+          <a:lstStyle/>
+          <a:p>
+            <a:r>
+              <a:rPr lang="nl-NL" dirty="0"/>
+              <a:t>Discussion</a:t>
+            </a:r>
+            <a:endParaRPr lang="en-US" dirty="0"/>
+          </a:p>
+        </p:txBody>
+      </p:sp>
+      <p:sp>
+        <p:nvSpPr>
+          <p:cNvPr id="3" name="Content Placeholder 2">
+            <a:extLst>
+              <a:ext uri="{FF2B5EF4-FFF2-40B4-BE49-F238E27FC236}">
+                <a16:creationId xmlns:a16="http://schemas.microsoft.com/office/drawing/2014/main" id="{95889E8C-B29A-4113-CC32-FC5EE6ECBE1D}"/>
+              </a:ext>
+            </a:extLst>
+          </p:cNvPr>
+          <p:cNvSpPr>
+            <a:spLocks noGrp="1"/>
+          </p:cNvSpPr>
+          <p:nvPr>
+            <p:ph idx="1"/>
+          </p:nvPr>
+        </p:nvSpPr>
+        <p:spPr/>
+        <p:txBody>
+          <a:bodyPr/>
+          <a:lstStyle/>
+          <a:p>
+            <a:endParaRPr lang="en-US"/>
+          </a:p>
+        </p:txBody>
+      </p:sp>
+      <p:sp>
+        <p:nvSpPr>
+          <p:cNvPr id="4" name="Slide Number Placeholder 3">
+            <a:extLst>
+              <a:ext uri="{FF2B5EF4-FFF2-40B4-BE49-F238E27FC236}">
+                <a16:creationId xmlns:a16="http://schemas.microsoft.com/office/drawing/2014/main" id="{07DD0B38-D143-4A81-E5F8-987B8C9537D6}"/>
+              </a:ext>
+            </a:extLst>
+          </p:cNvPr>
+          <p:cNvSpPr>
+            <a:spLocks noGrp="1"/>
+          </p:cNvSpPr>
+          <p:nvPr>
+            <p:ph type="sldNum" sz="quarter" idx="12"/>
+          </p:nvPr>
+        </p:nvSpPr>
+        <p:spPr/>
+        <p:txBody>
+          <a:bodyPr/>
+          <a:lstStyle/>
+          <a:p>
+            <a:fld id="{557A3E6A-0FDC-2641-BE73-5835A252D50B}" type="slidenum">
+              <a:rPr lang="nl-NL" smtClean="0"/>
+              <a:t>17</a:t>
+            </a:fld>
+            <a:endParaRPr lang="nl-NL"/>
+          </a:p>
+        </p:txBody>
+      </p:sp>
+    </p:spTree>
+    <p:extLst>
+      <p:ext uri="{BB962C8B-B14F-4D97-AF65-F5344CB8AC3E}">
+        <p14:creationId xmlns:p14="http://schemas.microsoft.com/office/powerpoint/2010/main" val="1611586621"/>
+      </p:ext>
+    </p:extLst>
+  </p:cSld>
+  <p:clrMapOvr>
+    <a:masterClrMapping/>
+  </p:clrMapOvr>
+</p:sld>
+</file>
+
+<file path=ppt/slides/slide18.xml><?xml version="1.0" encoding="utf-8"?>
+<p:sld xmlns:a="http://schemas.openxmlformats.org/drawingml/2006/main" xmlns:r="http://schemas.openxmlformats.org/officeDocument/2006/relationships" xmlns:p="http://schemas.openxmlformats.org/presentationml/2006/main">
+  <p:cSld>
+    <p:spTree>
+      <p:nvGrpSpPr>
+        <p:cNvPr id="1" name=""/>
+        <p:cNvGrpSpPr/>
+        <p:nvPr/>
+      </p:nvGrpSpPr>
+      <p:grpSpPr>
+        <a:xfrm>
+          <a:off x="0" y="0"/>
+          <a:ext cx="0" cy="0"/>
+          <a:chOff x="0" y="0"/>
+          <a:chExt cx="0" cy="0"/>
+        </a:xfrm>
+      </p:grpSpPr>
+      <p:sp>
+        <p:nvSpPr>
+          <p:cNvPr id="2" name="Title 1">
+            <a:extLst>
+              <a:ext uri="{FF2B5EF4-FFF2-40B4-BE49-F238E27FC236}">
+                <a16:creationId xmlns:a16="http://schemas.microsoft.com/office/drawing/2014/main" id="{E2656710-A520-C2CA-3BA9-8B1562F4EBF4}"/>
+              </a:ext>
+            </a:extLst>
+          </p:cNvPr>
+          <p:cNvSpPr>
+            <a:spLocks noGrp="1"/>
+          </p:cNvSpPr>
+          <p:nvPr>
+            <p:ph type="title"/>
+          </p:nvPr>
+        </p:nvSpPr>
+        <p:spPr/>
+        <p:txBody>
+          <a:bodyPr/>
+          <a:lstStyle/>
+          <a:p>
+            <a:r>
+              <a:rPr lang="nl-NL" dirty="0"/>
+              <a:t>Conclusion</a:t>
+            </a:r>
+            <a:endParaRPr lang="en-US" dirty="0"/>
+          </a:p>
+        </p:txBody>
+      </p:sp>
+      <p:sp>
+        <p:nvSpPr>
+          <p:cNvPr id="3" name="Content Placeholder 2">
+            <a:extLst>
+              <a:ext uri="{FF2B5EF4-FFF2-40B4-BE49-F238E27FC236}">
+                <a16:creationId xmlns:a16="http://schemas.microsoft.com/office/drawing/2014/main" id="{95889E8C-B29A-4113-CC32-FC5EE6ECBE1D}"/>
+              </a:ext>
+            </a:extLst>
+          </p:cNvPr>
+          <p:cNvSpPr>
+            <a:spLocks noGrp="1"/>
+          </p:cNvSpPr>
+          <p:nvPr>
+            <p:ph idx="1"/>
+          </p:nvPr>
+        </p:nvSpPr>
+        <p:spPr/>
+        <p:txBody>
+          <a:bodyPr/>
+          <a:lstStyle/>
+          <a:p>
+            <a:endParaRPr lang="en-US"/>
+          </a:p>
+        </p:txBody>
+      </p:sp>
+      <p:sp>
+        <p:nvSpPr>
+          <p:cNvPr id="4" name="Slide Number Placeholder 3">
+            <a:extLst>
+              <a:ext uri="{FF2B5EF4-FFF2-40B4-BE49-F238E27FC236}">
+                <a16:creationId xmlns:a16="http://schemas.microsoft.com/office/drawing/2014/main" id="{07DD0B38-D143-4A81-E5F8-987B8C9537D6}"/>
+              </a:ext>
+            </a:extLst>
+          </p:cNvPr>
+          <p:cNvSpPr>
+            <a:spLocks noGrp="1"/>
+          </p:cNvSpPr>
+          <p:nvPr>
+            <p:ph type="sldNum" sz="quarter" idx="12"/>
+          </p:nvPr>
+        </p:nvSpPr>
+        <p:spPr/>
+        <p:txBody>
+          <a:bodyPr/>
+          <a:lstStyle/>
+          <a:p>
+            <a:fld id="{557A3E6A-0FDC-2641-BE73-5835A252D50B}" type="slidenum">
+              <a:rPr lang="nl-NL" smtClean="0"/>
+              <a:t>18</a:t>
+            </a:fld>
+            <a:endParaRPr lang="nl-NL"/>
+          </a:p>
+        </p:txBody>
+      </p:sp>
+    </p:spTree>
+    <p:extLst>
+      <p:ext uri="{BB962C8B-B14F-4D97-AF65-F5344CB8AC3E}">
+        <p14:creationId xmlns:p14="http://schemas.microsoft.com/office/powerpoint/2010/main" val="344043352"/>
+      </p:ext>
+    </p:extLst>
+  </p:cSld>
+  <p:clrMapOvr>
+    <a:masterClrMapping/>
+  </p:clrMapOvr>
+</p:sld>
+</file>
+
+<file path=ppt/slides/slide19.xml><?xml version="1.0" encoding="utf-8"?>
+<p:sld xmlns:a="http://schemas.openxmlformats.org/drawingml/2006/main" xmlns:r="http://schemas.openxmlformats.org/officeDocument/2006/relationships" xmlns:p="http://schemas.openxmlformats.org/presentationml/2006/main">
+  <p:cSld>
+    <p:spTree>
+      <p:nvGrpSpPr>
+        <p:cNvPr id="1" name=""/>
+        <p:cNvGrpSpPr/>
+        <p:nvPr/>
+      </p:nvGrpSpPr>
+      <p:grpSpPr>
+        <a:xfrm>
+          <a:off x="0" y="0"/>
+          <a:ext cx="0" cy="0"/>
+          <a:chOff x="0" y="0"/>
+          <a:chExt cx="0" cy="0"/>
+        </a:xfrm>
+      </p:grpSpPr>
+      <p:sp>
+        <p:nvSpPr>
           <p:cNvPr id="2" name="Title 1">
             <a:extLst>
               <a:ext uri="{FF2B5EF4-FFF2-40B4-BE49-F238E27FC236}">
@@ -7992,7 +8704,7 @@
           <a:p>
             <a:fld id="{557A3E6A-0FDC-2641-BE73-5835A252D50B}" type="slidenum">
               <a:rPr lang="nl-NL" smtClean="0"/>
-              <a:t>15</a:t>
+              <a:t>19</a:t>
             </a:fld>
             <a:endParaRPr lang="nl-NL"/>
           </a:p>
@@ -10464,28 +11176,36 @@
               <a:buNone/>
             </a:pPr>
             <a:r>
-              <a:rPr lang="nl-NL" sz="2000" dirty="0"/>
+              <a:rPr lang="nl-NL" sz="2400" dirty="0">
+                <a:latin typeface="+mn-lt"/>
+              </a:rPr>
               <a:t>Choice for research on only XLS-R model:</a:t>
             </a:r>
           </a:p>
           <a:p>
             <a:pPr lvl="1"/>
             <a:r>
-              <a:rPr lang="nl-NL" sz="1600" dirty="0"/>
+              <a:rPr lang="nl-NL" sz="2000" dirty="0">
+                <a:latin typeface="+mn-lt"/>
+              </a:rPr>
               <a:t>Accents in ATC</a:t>
             </a:r>
           </a:p>
           <a:p>
             <a:pPr lvl="1"/>
             <a:r>
-              <a:rPr lang="nl-NL" sz="1600" dirty="0"/>
+              <a:rPr lang="nl-NL" sz="2000" dirty="0">
+                <a:latin typeface="+mn-lt"/>
+              </a:rPr>
               <a:t>Regularly updated model</a:t>
             </a:r>
           </a:p>
           <a:p>
             <a:pPr lvl="1"/>
             <a:r>
-              <a:rPr lang="nl-NL" sz="1600" dirty="0"/>
+              <a:rPr lang="nl-NL" sz="2000" dirty="0">
+                <a:latin typeface="+mn-lt"/>
+              </a:rPr>
               <a:t>Low resources</a:t>
             </a:r>
           </a:p>
